--- a/GenAI-4.pptx
+++ b/GenAI-4.pptx
@@ -20,22 +20,26 @@
     <p:sldId id="269" r:id="rId14"/>
     <p:sldId id="270" r:id="rId15"/>
     <p:sldId id="271" r:id="rId16"/>
-    <p:sldId id="259" r:id="rId17"/>
-    <p:sldId id="272" r:id="rId18"/>
-    <p:sldId id="273" r:id="rId19"/>
-    <p:sldId id="274" r:id="rId20"/>
-    <p:sldId id="275" r:id="rId21"/>
-    <p:sldId id="276" r:id="rId22"/>
-    <p:sldId id="277" r:id="rId23"/>
-    <p:sldId id="278" r:id="rId24"/>
-    <p:sldId id="279" r:id="rId25"/>
-    <p:sldId id="280" r:id="rId26"/>
-    <p:sldId id="281" r:id="rId27"/>
-    <p:sldId id="282" r:id="rId28"/>
-    <p:sldId id="285" r:id="rId29"/>
-    <p:sldId id="283" r:id="rId30"/>
-    <p:sldId id="284" r:id="rId31"/>
-    <p:sldId id="286" r:id="rId32"/>
+    <p:sldId id="287" r:id="rId17"/>
+    <p:sldId id="288" r:id="rId18"/>
+    <p:sldId id="289" r:id="rId19"/>
+    <p:sldId id="290" r:id="rId20"/>
+    <p:sldId id="259" r:id="rId21"/>
+    <p:sldId id="272" r:id="rId22"/>
+    <p:sldId id="273" r:id="rId23"/>
+    <p:sldId id="274" r:id="rId24"/>
+    <p:sldId id="275" r:id="rId25"/>
+    <p:sldId id="276" r:id="rId26"/>
+    <p:sldId id="277" r:id="rId27"/>
+    <p:sldId id="278" r:id="rId28"/>
+    <p:sldId id="279" r:id="rId29"/>
+    <p:sldId id="280" r:id="rId30"/>
+    <p:sldId id="281" r:id="rId31"/>
+    <p:sldId id="282" r:id="rId32"/>
+    <p:sldId id="285" r:id="rId33"/>
+    <p:sldId id="283" r:id="rId34"/>
+    <p:sldId id="284" r:id="rId35"/>
+    <p:sldId id="286" r:id="rId36"/>
   </p:sldIdLst>
   <p:sldSz cx="12192000" cy="6858000"/>
   <p:notesSz cx="6858000" cy="9144000"/>
@@ -291,7 +295,7 @@
           <a:p>
             <a:fld id="{57FBC013-1D04-4BF8-AFAF-9A6390E2255E}" type="datetimeFigureOut">
               <a:rPr lang="en-IN" smtClean="0"/>
-              <a:t>19-10-2024</a:t>
+              <a:t>23-10-2024</a:t>
             </a:fld>
             <a:endParaRPr lang="en-IN"/>
           </a:p>
@@ -491,7 +495,7 @@
           <a:p>
             <a:fld id="{57FBC013-1D04-4BF8-AFAF-9A6390E2255E}" type="datetimeFigureOut">
               <a:rPr lang="en-IN" smtClean="0"/>
-              <a:t>19-10-2024</a:t>
+              <a:t>23-10-2024</a:t>
             </a:fld>
             <a:endParaRPr lang="en-IN"/>
           </a:p>
@@ -701,7 +705,7 @@
           <a:p>
             <a:fld id="{57FBC013-1D04-4BF8-AFAF-9A6390E2255E}" type="datetimeFigureOut">
               <a:rPr lang="en-IN" smtClean="0"/>
-              <a:t>19-10-2024</a:t>
+              <a:t>23-10-2024</a:t>
             </a:fld>
             <a:endParaRPr lang="en-IN"/>
           </a:p>
@@ -901,7 +905,7 @@
           <a:p>
             <a:fld id="{57FBC013-1D04-4BF8-AFAF-9A6390E2255E}" type="datetimeFigureOut">
               <a:rPr lang="en-IN" smtClean="0"/>
-              <a:t>19-10-2024</a:t>
+              <a:t>23-10-2024</a:t>
             </a:fld>
             <a:endParaRPr lang="en-IN"/>
           </a:p>
@@ -1177,7 +1181,7 @@
           <a:p>
             <a:fld id="{57FBC013-1D04-4BF8-AFAF-9A6390E2255E}" type="datetimeFigureOut">
               <a:rPr lang="en-IN" smtClean="0"/>
-              <a:t>19-10-2024</a:t>
+              <a:t>23-10-2024</a:t>
             </a:fld>
             <a:endParaRPr lang="en-IN"/>
           </a:p>
@@ -1445,7 +1449,7 @@
           <a:p>
             <a:fld id="{57FBC013-1D04-4BF8-AFAF-9A6390E2255E}" type="datetimeFigureOut">
               <a:rPr lang="en-IN" smtClean="0"/>
-              <a:t>19-10-2024</a:t>
+              <a:t>23-10-2024</a:t>
             </a:fld>
             <a:endParaRPr lang="en-IN"/>
           </a:p>
@@ -1860,7 +1864,7 @@
           <a:p>
             <a:fld id="{57FBC013-1D04-4BF8-AFAF-9A6390E2255E}" type="datetimeFigureOut">
               <a:rPr lang="en-IN" smtClean="0"/>
-              <a:t>19-10-2024</a:t>
+              <a:t>23-10-2024</a:t>
             </a:fld>
             <a:endParaRPr lang="en-IN"/>
           </a:p>
@@ -2002,7 +2006,7 @@
           <a:p>
             <a:fld id="{57FBC013-1D04-4BF8-AFAF-9A6390E2255E}" type="datetimeFigureOut">
               <a:rPr lang="en-IN" smtClean="0"/>
-              <a:t>19-10-2024</a:t>
+              <a:t>23-10-2024</a:t>
             </a:fld>
             <a:endParaRPr lang="en-IN"/>
           </a:p>
@@ -2115,7 +2119,7 @@
           <a:p>
             <a:fld id="{57FBC013-1D04-4BF8-AFAF-9A6390E2255E}" type="datetimeFigureOut">
               <a:rPr lang="en-IN" smtClean="0"/>
-              <a:t>19-10-2024</a:t>
+              <a:t>23-10-2024</a:t>
             </a:fld>
             <a:endParaRPr lang="en-IN"/>
           </a:p>
@@ -2428,7 +2432,7 @@
           <a:p>
             <a:fld id="{57FBC013-1D04-4BF8-AFAF-9A6390E2255E}" type="datetimeFigureOut">
               <a:rPr lang="en-IN" smtClean="0"/>
-              <a:t>19-10-2024</a:t>
+              <a:t>23-10-2024</a:t>
             </a:fld>
             <a:endParaRPr lang="en-IN"/>
           </a:p>
@@ -2717,7 +2721,7 @@
           <a:p>
             <a:fld id="{57FBC013-1D04-4BF8-AFAF-9A6390E2255E}" type="datetimeFigureOut">
               <a:rPr lang="en-IN" smtClean="0"/>
-              <a:t>19-10-2024</a:t>
+              <a:t>23-10-2024</a:t>
             </a:fld>
             <a:endParaRPr lang="en-IN"/>
           </a:p>
@@ -2960,7 +2964,7 @@
           <a:p>
             <a:fld id="{57FBC013-1D04-4BF8-AFAF-9A6390E2255E}" type="datetimeFigureOut">
               <a:rPr lang="en-IN" smtClean="0"/>
-              <a:t>19-10-2024</a:t>
+              <a:t>23-10-2024</a:t>
             </a:fld>
             <a:endParaRPr lang="en-IN"/>
           </a:p>
@@ -4332,95 +4336,48 @@
       </p:grpSpPr>
       <p:sp>
         <p:nvSpPr>
-          <p:cNvPr id="2" name="Title 1">
-            <a:extLst>
-              <a:ext uri="{FF2B5EF4-FFF2-40B4-BE49-F238E27FC236}">
-                <a16:creationId xmlns:a16="http://schemas.microsoft.com/office/drawing/2014/main" id="{CA9F0D85-F4EA-4FAC-8FDA-3A260E428403}"/>
-              </a:ext>
-            </a:extLst>
-          </p:cNvPr>
-          <p:cNvSpPr>
-            <a:spLocks noGrp="1"/>
-          </p:cNvSpPr>
-          <p:nvPr>
-            <p:ph type="title"/>
-          </p:nvPr>
-        </p:nvSpPr>
-        <p:spPr/>
-        <p:txBody>
-          <a:bodyPr/>
-          <a:lstStyle/>
-          <a:p>
-            <a:r>
-              <a:rPr lang="en-US" dirty="0"/>
-              <a:t>RAG Architecture</a:t>
-            </a:r>
-            <a:endParaRPr lang="en-IN" dirty="0"/>
-          </a:p>
-        </p:txBody>
-      </p:sp>
-      <p:pic>
-        <p:nvPicPr>
-          <p:cNvPr id="4" name="Content Placeholder 3">
-            <a:extLst>
-              <a:ext uri="{FF2B5EF4-FFF2-40B4-BE49-F238E27FC236}">
-                <a16:creationId xmlns:a16="http://schemas.microsoft.com/office/drawing/2014/main" id="{E59F35C2-CB5A-4662-9A23-DED90694FD61}"/>
-              </a:ext>
-            </a:extLst>
-          </p:cNvPr>
-          <p:cNvPicPr>
-            <a:picLocks noGrp="1" noChangeAspect="1"/>
-          </p:cNvPicPr>
-          <p:nvPr>
-            <p:ph idx="1"/>
-          </p:nvPr>
-        </p:nvPicPr>
-        <p:blipFill>
-          <a:blip r:embed="rId2"/>
-          <a:stretch>
-            <a:fillRect/>
-          </a:stretch>
-        </p:blipFill>
+          <p:cNvPr id="4" name="Rectangle 3">
+            <a:extLst>
+              <a:ext uri="{FF2B5EF4-FFF2-40B4-BE49-F238E27FC236}">
+                <a16:creationId xmlns:a16="http://schemas.microsoft.com/office/drawing/2014/main" id="{49560477-44E4-4A22-9807-8DAEAFCB8BE4}"/>
+              </a:ext>
+            </a:extLst>
+          </p:cNvPr>
+          <p:cNvSpPr/>
+          <p:nvPr/>
+        </p:nvSpPr>
         <p:spPr>
           <a:xfrm>
-            <a:off x="1563030" y="1248560"/>
-            <a:ext cx="6735115" cy="4124901"/>
+            <a:off x="5398661" y="2967335"/>
+            <a:ext cx="1394677" cy="923330"/>
           </a:xfrm>
           <a:prstGeom prst="rect">
             <a:avLst/>
           </a:prstGeom>
+          <a:noFill/>
         </p:spPr>
-      </p:pic>
-      <p:sp>
-        <p:nvSpPr>
-          <p:cNvPr id="5" name="Rectangle 4">
-            <a:extLst>
-              <a:ext uri="{FF2B5EF4-FFF2-40B4-BE49-F238E27FC236}">
-                <a16:creationId xmlns:a16="http://schemas.microsoft.com/office/drawing/2014/main" id="{A1AC3FB4-B964-46BD-B78E-F4DA949A5329}"/>
-              </a:ext>
-            </a:extLst>
-          </p:cNvPr>
-          <p:cNvSpPr/>
-          <p:nvPr/>
-        </p:nvSpPr>
-        <p:spPr>
-          <a:xfrm>
-            <a:off x="295836" y="5692605"/>
-            <a:ext cx="11483788" cy="646331"/>
-          </a:xfrm>
-          <a:prstGeom prst="rect">
-            <a:avLst/>
-          </a:prstGeom>
-        </p:spPr>
-        <p:txBody>
-          <a:bodyPr wrap="square">
+        <p:txBody>
+          <a:bodyPr wrap="none" lIns="91440" tIns="45720" rIns="91440" bIns="45720">
             <a:spAutoFit/>
           </a:bodyPr>
           <a:lstStyle/>
           <a:p>
-            <a:r>
-              <a:rPr lang="en-IN" dirty="0"/>
-              <a:t>https://blog.stackademic.com/mastering-retrieval-augmented-generation-rag-architecture-unleash-the-power-of-large-language-a1d2be5f348c</a:t>
+            <a:pPr algn="ctr"/>
+            <a:r>
+              <a:rPr lang="en-US" sz="5400" b="0" cap="none" spc="0" dirty="0">
+                <a:ln w="0"/>
+                <a:solidFill>
+                  <a:schemeClr val="tx1"/>
+                </a:solidFill>
+                <a:effectLst>
+                  <a:outerShdw blurRad="38100" dist="19050" dir="2700000" algn="tl" rotWithShape="0">
+                    <a:schemeClr val="dk1">
+                      <a:alpha val="40000"/>
+                    </a:schemeClr>
+                  </a:outerShdw>
+                </a:effectLst>
+              </a:rPr>
+              <a:t>RAG</a:t>
             </a:r>
           </a:p>
         </p:txBody>
@@ -4428,7 +4385,7 @@
     </p:spTree>
     <p:extLst>
       <p:ext uri="{BB962C8B-B14F-4D97-AF65-F5344CB8AC3E}">
-        <p14:creationId xmlns:p14="http://schemas.microsoft.com/office/powerpoint/2010/main" val="375352582"/>
+        <p14:creationId xmlns:p14="http://schemas.microsoft.com/office/powerpoint/2010/main" val="2790158541"/>
       </p:ext>
     </p:extLst>
   </p:cSld>
@@ -4460,7 +4417,7 @@
           <p:cNvPr id="2" name="Title 1">
             <a:extLst>
               <a:ext uri="{FF2B5EF4-FFF2-40B4-BE49-F238E27FC236}">
-                <a16:creationId xmlns:a16="http://schemas.microsoft.com/office/drawing/2014/main" id="{2A505D1A-75EA-4D66-A07F-EB29D632DF0C}"/>
+                <a16:creationId xmlns:a16="http://schemas.microsoft.com/office/drawing/2014/main" id="{72F65503-5C56-45FA-BBCC-B8E0627129F3}"/>
               </a:ext>
             </a:extLst>
           </p:cNvPr>
@@ -4477,12 +4434,9 @@
           <a:lstStyle/>
           <a:p>
             <a:r>
-              <a:rPr lang="en-US" b="1" dirty="0"/>
-              <a:t>Components:</a:t>
-            </a:r>
-            <a:br>
-              <a:rPr lang="en-US" dirty="0"/>
-            </a:br>
+              <a:rPr lang="en-US" dirty="0"/>
+              <a:t>Limitations of LLMs</a:t>
+            </a:r>
             <a:endParaRPr lang="en-IN" dirty="0"/>
           </a:p>
         </p:txBody>
@@ -4492,7 +4446,7 @@
           <p:cNvPr id="3" name="Content Placeholder 2">
             <a:extLst>
               <a:ext uri="{FF2B5EF4-FFF2-40B4-BE49-F238E27FC236}">
-                <a16:creationId xmlns:a16="http://schemas.microsoft.com/office/drawing/2014/main" id="{3032BA5D-F101-4288-B399-E265F01B37D5}"/>
+                <a16:creationId xmlns:a16="http://schemas.microsoft.com/office/drawing/2014/main" id="{87F95845-EAA3-479D-89B7-A38B34B752AF}"/>
               </a:ext>
             </a:extLst>
           </p:cNvPr>
@@ -4505,61 +4459,45 @@
         </p:nvSpPr>
         <p:spPr/>
         <p:txBody>
-          <a:bodyPr>
-            <a:normAutofit fontScale="92500" lnSpcReduction="10000"/>
-          </a:bodyPr>
-          <a:lstStyle/>
-          <a:p>
-            <a:r>
-              <a:rPr lang="en-US" b="1" dirty="0"/>
-              <a:t>Knowledge Base:</a:t>
-            </a:r>
-            <a:r>
-              <a:rPr lang="en-US" dirty="0"/>
-              <a:t> A repository of relevant information, such as documents, articles, or databases.</a:t>
-            </a:r>
-          </a:p>
-          <a:p>
-            <a:r>
-              <a:rPr lang="en-US" b="1" dirty="0"/>
-              <a:t>Query Embedding:</a:t>
-            </a:r>
-            <a:r>
-              <a:rPr lang="en-US" dirty="0"/>
-              <a:t> Converts the user's query into a numerical representation (embedding) that can be compared to the embeddings of the knowledge base.</a:t>
-            </a:r>
-          </a:p>
-          <a:p>
-            <a:r>
-              <a:rPr lang="en-US" b="1" dirty="0"/>
-              <a:t>Document Retrieval:</a:t>
-            </a:r>
-            <a:r>
-              <a:rPr lang="en-US" dirty="0"/>
-              <a:t> Searches the knowledge base for documents whose embeddings are most similar to the query embedding.</a:t>
-            </a:r>
-          </a:p>
-          <a:p>
-            <a:r>
-              <a:rPr lang="en-US" b="1" dirty="0"/>
-              <a:t>Prompt Engineering:</a:t>
-            </a:r>
-            <a:r>
-              <a:rPr lang="en-US" dirty="0"/>
-              <a:t> Constructs a prompt that combines the original query with the retrieved documents, providing context for the LLM.</a:t>
-            </a:r>
-          </a:p>
-          <a:p>
-            <a:r>
-              <a:rPr lang="en-US" b="1" dirty="0"/>
-              <a:t>Language Model (LLM):</a:t>
-            </a:r>
-            <a:r>
-              <a:rPr lang="en-US" dirty="0"/>
-              <a:t> Generates a response based on the prompt and its understanding of the retrieved documents.</a:t>
-            </a:r>
-          </a:p>
-          <a:p>
+          <a:bodyPr/>
+          <a:lstStyle/>
+          <a:p>
+            <a:r>
+              <a:rPr lang="en-US" dirty="0"/>
+              <a:t>Language Models are great up to the data they are trained with.</a:t>
+            </a:r>
+          </a:p>
+          <a:p>
+            <a:pPr marL="514350" indent="-514350">
+              <a:buAutoNum type="arabicPeriod"/>
+            </a:pPr>
+            <a:r>
+              <a:rPr lang="en-US" dirty="0"/>
+              <a:t>Stale Information</a:t>
+            </a:r>
+          </a:p>
+          <a:p>
+            <a:pPr marL="514350" indent="-514350">
+              <a:buAutoNum type="arabicPeriod"/>
+            </a:pPr>
+            <a:r>
+              <a:rPr lang="en-US" dirty="0"/>
+              <a:t>No source data attribution / references</a:t>
+            </a:r>
+          </a:p>
+          <a:p>
+            <a:pPr marL="514350" indent="-514350">
+              <a:buAutoNum type="arabicPeriod"/>
+            </a:pPr>
+            <a:r>
+              <a:rPr lang="en-US" dirty="0"/>
+              <a:t>Hallucinations</a:t>
+            </a:r>
+          </a:p>
+          <a:p>
+            <a:pPr marL="0" indent="0">
+              <a:buNone/>
+            </a:pPr>
             <a:endParaRPr lang="en-IN" dirty="0"/>
           </a:p>
         </p:txBody>
@@ -4567,7 +4505,7 @@
     </p:spTree>
     <p:extLst>
       <p:ext uri="{BB962C8B-B14F-4D97-AF65-F5344CB8AC3E}">
-        <p14:creationId xmlns:p14="http://schemas.microsoft.com/office/powerpoint/2010/main" val="4106771928"/>
+        <p14:creationId xmlns:p14="http://schemas.microsoft.com/office/powerpoint/2010/main" val="925241283"/>
       </p:ext>
     </p:extLst>
   </p:cSld>
@@ -4599,7 +4537,7 @@
           <p:cNvPr id="2" name="Title 1">
             <a:extLst>
               <a:ext uri="{FF2B5EF4-FFF2-40B4-BE49-F238E27FC236}">
-                <a16:creationId xmlns:a16="http://schemas.microsoft.com/office/drawing/2014/main" id="{C7268487-B67C-4FF8-90AA-545E30C238B1}"/>
+                <a16:creationId xmlns:a16="http://schemas.microsoft.com/office/drawing/2014/main" id="{41F0CCA0-BDB0-456D-9FAA-093BF385D029}"/>
               </a:ext>
             </a:extLst>
           </p:cNvPr>
@@ -4616,12 +4554,9 @@
           <a:lstStyle/>
           <a:p>
             <a:r>
-              <a:rPr lang="en-US" b="1" dirty="0"/>
-              <a:t>Process Flow:</a:t>
-            </a:r>
-            <a:br>
-              <a:rPr lang="en-US" dirty="0"/>
-            </a:br>
+              <a:rPr lang="en-US" dirty="0"/>
+              <a:t>Why RAG</a:t>
+            </a:r>
             <a:endParaRPr lang="en-IN" dirty="0"/>
           </a:p>
         </p:txBody>
@@ -4631,7 +4566,7 @@
           <p:cNvPr id="3" name="Content Placeholder 2">
             <a:extLst>
               <a:ext uri="{FF2B5EF4-FFF2-40B4-BE49-F238E27FC236}">
-                <a16:creationId xmlns:a16="http://schemas.microsoft.com/office/drawing/2014/main" id="{92238123-4EC5-495D-A3EF-6BAEDD81823D}"/>
+                <a16:creationId xmlns:a16="http://schemas.microsoft.com/office/drawing/2014/main" id="{C53D3E81-2B21-4331-9C69-61ABE2F05628}"/>
               </a:ext>
             </a:extLst>
           </p:cNvPr>
@@ -4642,58 +4577,37 @@
             <p:ph idx="1"/>
           </p:nvPr>
         </p:nvSpPr>
-        <p:spPr/>
-        <p:txBody>
-          <a:bodyPr/>
-          <a:lstStyle/>
-          <a:p>
-            <a:r>
-              <a:rPr lang="en-US" b="1" dirty="0"/>
-              <a:t>User Query:</a:t>
-            </a:r>
-            <a:r>
-              <a:rPr lang="en-US" dirty="0"/>
-              <a:t> The user submits a query.</a:t>
-            </a:r>
-          </a:p>
-          <a:p>
-            <a:r>
-              <a:rPr lang="en-US" b="1" dirty="0"/>
-              <a:t>Query Embedding:</a:t>
-            </a:r>
-            <a:r>
-              <a:rPr lang="en-US" dirty="0"/>
-              <a:t> The query is converted into an embedding.</a:t>
-            </a:r>
-          </a:p>
-          <a:p>
-            <a:r>
-              <a:rPr lang="en-US" b="1" dirty="0"/>
-              <a:t>Document Retrieval:</a:t>
-            </a:r>
-            <a:r>
-              <a:rPr lang="en-US" dirty="0"/>
-              <a:t> The most relevant documents from the knowledge base are retrieved based on their embeddings.</a:t>
-            </a:r>
-          </a:p>
-          <a:p>
-            <a:r>
-              <a:rPr lang="en-US" b="1" dirty="0"/>
-              <a:t>Prompt Engineering:</a:t>
-            </a:r>
-            <a:r>
-              <a:rPr lang="en-US" dirty="0"/>
-              <a:t> A prompt is created using the query and the retrieved documents.</a:t>
-            </a:r>
-          </a:p>
-          <a:p>
-            <a:r>
-              <a:rPr lang="en-US" b="1" dirty="0"/>
-              <a:t>LLM Generation:</a:t>
-            </a:r>
-            <a:r>
-              <a:rPr lang="en-US" dirty="0"/>
-              <a:t> The LLM processes the prompt and generates a response.</a:t>
+        <p:spPr>
+          <a:xfrm>
+            <a:off x="838200" y="1825625"/>
+            <a:ext cx="10515600" cy="2602537"/>
+          </a:xfrm>
+        </p:spPr>
+        <p:txBody>
+          <a:bodyPr/>
+          <a:lstStyle/>
+          <a:p>
+            <a:r>
+              <a:rPr lang="en-US" dirty="0"/>
+              <a:t>Access to update / Current information along with external information.</a:t>
+            </a:r>
+          </a:p>
+          <a:p>
+            <a:r>
+              <a:rPr lang="en-US" dirty="0"/>
+              <a:t>LLM can trace back to source of information</a:t>
+            </a:r>
+          </a:p>
+          <a:p>
+            <a:r>
+              <a:rPr lang="en-US" dirty="0"/>
+              <a:t>Customizability and flexibility for domains</a:t>
+            </a:r>
+          </a:p>
+          <a:p>
+            <a:r>
+              <a:rPr lang="en-US" dirty="0"/>
+              <a:t>Mitigate Hallucination </a:t>
             </a:r>
           </a:p>
           <a:p>
@@ -4704,7 +4618,7 @@
     </p:spTree>
     <p:extLst>
       <p:ext uri="{BB962C8B-B14F-4D97-AF65-F5344CB8AC3E}">
-        <p14:creationId xmlns:p14="http://schemas.microsoft.com/office/powerpoint/2010/main" val="2208268794"/>
+        <p14:creationId xmlns:p14="http://schemas.microsoft.com/office/powerpoint/2010/main" val="1118183355"/>
       </p:ext>
     </p:extLst>
   </p:cSld>
@@ -4736,7 +4650,7 @@
           <p:cNvPr id="2" name="Title 1">
             <a:extLst>
               <a:ext uri="{FF2B5EF4-FFF2-40B4-BE49-F238E27FC236}">
-                <a16:creationId xmlns:a16="http://schemas.microsoft.com/office/drawing/2014/main" id="{5EDC9D03-A9EB-4B2B-B7E2-DF6866987017}"/>
+                <a16:creationId xmlns:a16="http://schemas.microsoft.com/office/drawing/2014/main" id="{A6B94859-D5BA-4196-88B1-934FD76D09DE}"/>
               </a:ext>
             </a:extLst>
           </p:cNvPr>
@@ -4753,83 +4667,369 @@
           <a:lstStyle/>
           <a:p>
             <a:r>
-              <a:rPr lang="en-IN" b="1" dirty="0"/>
-              <a:t>Retrieval</a:t>
-            </a:r>
-            <a:br>
-              <a:rPr lang="en-IN" b="1" dirty="0"/>
-            </a:br>
+              <a:rPr lang="en-US" dirty="0"/>
+              <a:t>RAG Vs Fine Tuning</a:t>
+            </a:r>
             <a:endParaRPr lang="en-IN" dirty="0"/>
           </a:p>
         </p:txBody>
       </p:sp>
-      <p:sp>
-        <p:nvSpPr>
-          <p:cNvPr id="3" name="Content Placeholder 2">
-            <a:extLst>
-              <a:ext uri="{FF2B5EF4-FFF2-40B4-BE49-F238E27FC236}">
-                <a16:creationId xmlns:a16="http://schemas.microsoft.com/office/drawing/2014/main" id="{61736C4A-ED6D-451D-9CBD-1F0BA4655376}"/>
-              </a:ext>
-            </a:extLst>
-          </p:cNvPr>
-          <p:cNvSpPr>
-            <a:spLocks noGrp="1"/>
-          </p:cNvSpPr>
+      <p:graphicFrame>
+        <p:nvGraphicFramePr>
+          <p:cNvPr id="4" name="Content Placeholder 3">
+            <a:extLst>
+              <a:ext uri="{FF2B5EF4-FFF2-40B4-BE49-F238E27FC236}">
+                <a16:creationId xmlns:a16="http://schemas.microsoft.com/office/drawing/2014/main" id="{4C2E0C3E-3BA6-48D8-B16F-CB0D22083BDE}"/>
+              </a:ext>
+            </a:extLst>
+          </p:cNvPr>
+          <p:cNvGraphicFramePr>
+            <a:graphicFrameLocks noGrp="1"/>
+          </p:cNvGraphicFramePr>
           <p:nvPr>
             <p:ph idx="1"/>
-          </p:nvPr>
-        </p:nvSpPr>
-        <p:spPr/>
-        <p:txBody>
-          <a:bodyPr/>
-          <a:lstStyle/>
-          <a:p>
-            <a:r>
-              <a:rPr lang="en-IN" b="1" dirty="0"/>
-              <a:t>Vector Databases:</a:t>
-            </a:r>
-            <a:r>
-              <a:rPr lang="en-IN" dirty="0"/>
-              <a:t> Tools like </a:t>
-            </a:r>
-            <a:r>
-              <a:rPr lang="en-IN" dirty="0" err="1"/>
-              <a:t>Faiss</a:t>
-            </a:r>
-            <a:r>
-              <a:rPr lang="en-IN" dirty="0"/>
-              <a:t>, Annoy, or Pinecone for efficient similarity search.</a:t>
-            </a:r>
-          </a:p>
-          <a:p>
-            <a:r>
-              <a:rPr lang="en-IN" b="1" dirty="0"/>
-              <a:t>Indexing Techniques:</a:t>
-            </a:r>
-            <a:r>
-              <a:rPr lang="en-IN" dirty="0"/>
-              <a:t> Methods like TF-IDF, BM25, or semantic search for representing and comparing documents.</a:t>
-            </a:r>
-          </a:p>
-          <a:p>
-            <a:r>
-              <a:rPr lang="en-IN" b="1" dirty="0"/>
-              <a:t>Query Understanding:</a:t>
-            </a:r>
-            <a:r>
-              <a:rPr lang="en-IN" dirty="0"/>
-              <a:t> Techniques to parse and understand user queries effectively.</a:t>
-            </a:r>
-          </a:p>
-          <a:p>
-            <a:endParaRPr lang="en-IN" dirty="0"/>
-          </a:p>
-        </p:txBody>
-      </p:sp>
+            <p:extLst>
+              <p:ext uri="{D42A27DB-BD31-4B8C-83A1-F6EECF244321}">
+                <p14:modId xmlns:p14="http://schemas.microsoft.com/office/powerpoint/2010/main" val="1747242042"/>
+              </p:ext>
+            </p:extLst>
+          </p:nvPr>
+        </p:nvGraphicFramePr>
+        <p:xfrm>
+          <a:off x="838200" y="1825625"/>
+          <a:ext cx="10515600" cy="3845560"/>
+        </p:xfrm>
+        <a:graphic>
+          <a:graphicData uri="http://schemas.openxmlformats.org/drawingml/2006/table">
+            <a:tbl>
+              <a:tblPr firstRow="1" bandRow="1">
+                <a:tableStyleId>{5C22544A-7EE6-4342-B048-85BDC9FD1C3A}</a:tableStyleId>
+              </a:tblPr>
+              <a:tblGrid>
+                <a:gridCol w="3505200">
+                  <a:extLst>
+                    <a:ext uri="{9D8B030D-6E8A-4147-A177-3AD203B41FA5}">
+                      <a16:colId xmlns:a16="http://schemas.microsoft.com/office/drawing/2014/main" val="509271912"/>
+                    </a:ext>
+                  </a:extLst>
+                </a:gridCol>
+                <a:gridCol w="3505200">
+                  <a:extLst>
+                    <a:ext uri="{9D8B030D-6E8A-4147-A177-3AD203B41FA5}">
+                      <a16:colId xmlns:a16="http://schemas.microsoft.com/office/drawing/2014/main" val="2779964227"/>
+                    </a:ext>
+                  </a:extLst>
+                </a:gridCol>
+                <a:gridCol w="3505200">
+                  <a:extLst>
+                    <a:ext uri="{9D8B030D-6E8A-4147-A177-3AD203B41FA5}">
+                      <a16:colId xmlns:a16="http://schemas.microsoft.com/office/drawing/2014/main" val="1521814651"/>
+                    </a:ext>
+                  </a:extLst>
+                </a:gridCol>
+              </a:tblGrid>
+              <a:tr h="370840">
+                <a:tc>
+                  <a:txBody>
+                    <a:bodyPr/>
+                    <a:lstStyle/>
+                    <a:p>
+                      <a:r>
+                        <a:rPr lang="en-US" dirty="0"/>
+                        <a:t>Aspect</a:t>
+                      </a:r>
+                      <a:endParaRPr lang="en-IN" dirty="0"/>
+                    </a:p>
+                  </a:txBody>
+                  <a:tcPr/>
+                </a:tc>
+                <a:tc>
+                  <a:txBody>
+                    <a:bodyPr/>
+                    <a:lstStyle/>
+                    <a:p>
+                      <a:r>
+                        <a:rPr lang="en-US" dirty="0"/>
+                        <a:t>RAG</a:t>
+                      </a:r>
+                      <a:endParaRPr lang="en-IN" dirty="0"/>
+                    </a:p>
+                  </a:txBody>
+                  <a:tcPr/>
+                </a:tc>
+                <a:tc>
+                  <a:txBody>
+                    <a:bodyPr/>
+                    <a:lstStyle/>
+                    <a:p>
+                      <a:r>
+                        <a:rPr lang="en-US" dirty="0"/>
+                        <a:t>Fine Tuning</a:t>
+                      </a:r>
+                      <a:endParaRPr lang="en-IN" dirty="0"/>
+                    </a:p>
+                  </a:txBody>
+                  <a:tcPr/>
+                </a:tc>
+                <a:extLst>
+                  <a:ext uri="{0D108BD9-81ED-4DB2-BD59-A6C34878D82A}">
+                    <a16:rowId xmlns:a16="http://schemas.microsoft.com/office/drawing/2014/main" val="2777962858"/>
+                  </a:ext>
+                </a:extLst>
+              </a:tr>
+              <a:tr h="370840">
+                <a:tc>
+                  <a:txBody>
+                    <a:bodyPr/>
+                    <a:lstStyle/>
+                    <a:p>
+                      <a:r>
+                        <a:rPr lang="en-US" dirty="0"/>
+                        <a:t>Knowledge Source</a:t>
+                      </a:r>
+                      <a:endParaRPr lang="en-IN" dirty="0"/>
+                    </a:p>
+                  </a:txBody>
+                  <a:tcPr/>
+                </a:tc>
+                <a:tc>
+                  <a:txBody>
+                    <a:bodyPr/>
+                    <a:lstStyle/>
+                    <a:p>
+                      <a:r>
+                        <a:rPr lang="en-US" dirty="0"/>
+                        <a:t>External Knowledge base or Documents</a:t>
+                      </a:r>
+                      <a:endParaRPr lang="en-IN" dirty="0"/>
+                    </a:p>
+                  </a:txBody>
+                  <a:tcPr/>
+                </a:tc>
+                <a:tc>
+                  <a:txBody>
+                    <a:bodyPr/>
+                    <a:lstStyle/>
+                    <a:p>
+                      <a:r>
+                        <a:rPr lang="en-US" dirty="0"/>
+                        <a:t>Internalized during training</a:t>
+                      </a:r>
+                      <a:endParaRPr lang="en-IN" dirty="0"/>
+                    </a:p>
+                  </a:txBody>
+                  <a:tcPr/>
+                </a:tc>
+                <a:extLst>
+                  <a:ext uri="{0D108BD9-81ED-4DB2-BD59-A6C34878D82A}">
+                    <a16:rowId xmlns:a16="http://schemas.microsoft.com/office/drawing/2014/main" val="1993702132"/>
+                  </a:ext>
+                </a:extLst>
+              </a:tr>
+              <a:tr h="370840">
+                <a:tc>
+                  <a:txBody>
+                    <a:bodyPr/>
+                    <a:lstStyle/>
+                    <a:p>
+                      <a:r>
+                        <a:rPr lang="en-US" dirty="0"/>
+                        <a:t>Adaptability</a:t>
+                      </a:r>
+                      <a:endParaRPr lang="en-IN" dirty="0"/>
+                    </a:p>
+                  </a:txBody>
+                  <a:tcPr/>
+                </a:tc>
+                <a:tc>
+                  <a:txBody>
+                    <a:bodyPr/>
+                    <a:lstStyle/>
+                    <a:p>
+                      <a:r>
+                        <a:rPr lang="en-US" dirty="0"/>
+                        <a:t>Dynamic, fetches real-time information</a:t>
+                      </a:r>
+                      <a:endParaRPr lang="en-IN" dirty="0"/>
+                    </a:p>
+                  </a:txBody>
+                  <a:tcPr/>
+                </a:tc>
+                <a:tc>
+                  <a:txBody>
+                    <a:bodyPr/>
+                    <a:lstStyle/>
+                    <a:p>
+                      <a:r>
+                        <a:rPr lang="en-US" dirty="0"/>
+                        <a:t>Static, requires retraining to update</a:t>
+                      </a:r>
+                      <a:endParaRPr lang="en-IN" dirty="0"/>
+                    </a:p>
+                  </a:txBody>
+                  <a:tcPr/>
+                </a:tc>
+                <a:extLst>
+                  <a:ext uri="{0D108BD9-81ED-4DB2-BD59-A6C34878D82A}">
+                    <a16:rowId xmlns:a16="http://schemas.microsoft.com/office/drawing/2014/main" val="2127410345"/>
+                  </a:ext>
+                </a:extLst>
+              </a:tr>
+              <a:tr h="370840">
+                <a:tc>
+                  <a:txBody>
+                    <a:bodyPr/>
+                    <a:lstStyle/>
+                    <a:p>
+                      <a:r>
+                        <a:rPr lang="en-US" dirty="0"/>
+                        <a:t>Training Requirements</a:t>
+                      </a:r>
+                      <a:endParaRPr lang="en-IN" dirty="0"/>
+                    </a:p>
+                  </a:txBody>
+                  <a:tcPr/>
+                </a:tc>
+                <a:tc>
+                  <a:txBody>
+                    <a:bodyPr/>
+                    <a:lstStyle/>
+                    <a:p>
+                      <a:r>
+                        <a:rPr lang="en-US" dirty="0"/>
+                        <a:t>No need of retraining the model</a:t>
+                      </a:r>
+                      <a:endParaRPr lang="en-IN" dirty="0"/>
+                    </a:p>
+                  </a:txBody>
+                  <a:tcPr/>
+                </a:tc>
+                <a:tc>
+                  <a:txBody>
+                    <a:bodyPr/>
+                    <a:lstStyle/>
+                    <a:p>
+                      <a:r>
+                        <a:rPr lang="en-US" dirty="0"/>
+                        <a:t>Requires retraining for specific datasets</a:t>
+                      </a:r>
+                      <a:endParaRPr lang="en-IN" dirty="0"/>
+                    </a:p>
+                  </a:txBody>
+                  <a:tcPr/>
+                </a:tc>
+                <a:extLst>
+                  <a:ext uri="{0D108BD9-81ED-4DB2-BD59-A6C34878D82A}">
+                    <a16:rowId xmlns:a16="http://schemas.microsoft.com/office/drawing/2014/main" val="91709258"/>
+                  </a:ext>
+                </a:extLst>
+              </a:tr>
+              <a:tr h="370840">
+                <a:tc>
+                  <a:txBody>
+                    <a:bodyPr/>
+                    <a:lstStyle/>
+                    <a:p>
+                      <a:r>
+                        <a:rPr lang="en-US" dirty="0"/>
+                        <a:t>Efficiency</a:t>
+                      </a:r>
+                      <a:endParaRPr lang="en-IN" dirty="0"/>
+                    </a:p>
+                  </a:txBody>
+                  <a:tcPr/>
+                </a:tc>
+                <a:tc>
+                  <a:txBody>
+                    <a:bodyPr/>
+                    <a:lstStyle/>
+                    <a:p>
+                      <a:r>
+                        <a:rPr lang="en-US" dirty="0"/>
+                        <a:t>Efficient for large or frequently updated datasets (Data that changes frequently)</a:t>
+                      </a:r>
+                      <a:endParaRPr lang="en-IN" dirty="0"/>
+                    </a:p>
+                  </a:txBody>
+                  <a:tcPr/>
+                </a:tc>
+                <a:tc>
+                  <a:txBody>
+                    <a:bodyPr/>
+                    <a:lstStyle/>
+                    <a:p>
+                      <a:r>
+                        <a:rPr lang="en-US" dirty="0"/>
+                        <a:t>Computationally very intensive</a:t>
+                      </a:r>
+                      <a:endParaRPr lang="en-IN" dirty="0"/>
+                    </a:p>
+                  </a:txBody>
+                  <a:tcPr/>
+                </a:tc>
+                <a:extLst>
+                  <a:ext uri="{0D108BD9-81ED-4DB2-BD59-A6C34878D82A}">
+                    <a16:rowId xmlns:a16="http://schemas.microsoft.com/office/drawing/2014/main" val="3292217053"/>
+                  </a:ext>
+                </a:extLst>
+              </a:tr>
+              <a:tr h="370840">
+                <a:tc>
+                  <a:txBody>
+                    <a:bodyPr/>
+                    <a:lstStyle/>
+                    <a:p>
+                      <a:r>
+                        <a:rPr lang="en-US" dirty="0"/>
+                        <a:t>Best Use Cases</a:t>
+                      </a:r>
+                      <a:endParaRPr lang="en-IN" dirty="0"/>
+                    </a:p>
+                  </a:txBody>
+                  <a:tcPr/>
+                </a:tc>
+                <a:tc>
+                  <a:txBody>
+                    <a:bodyPr/>
+                    <a:lstStyle/>
+                    <a:p>
+                      <a:r>
+                        <a:rPr lang="en-US" dirty="0"/>
+                        <a:t>Domain task with sufficiently large body of knowledge</a:t>
+                      </a:r>
+                      <a:endParaRPr lang="en-IN" dirty="0"/>
+                    </a:p>
+                  </a:txBody>
+                  <a:tcPr/>
+                </a:tc>
+                <a:tc>
+                  <a:txBody>
+                    <a:bodyPr/>
+                    <a:lstStyle/>
+                    <a:p>
+                      <a:r>
+                        <a:rPr lang="en-US" dirty="0"/>
+                        <a:t>Domain specific tasks</a:t>
+                      </a:r>
+                      <a:endParaRPr lang="en-IN" dirty="0"/>
+                    </a:p>
+                  </a:txBody>
+                  <a:tcPr/>
+                </a:tc>
+                <a:extLst>
+                  <a:ext uri="{0D108BD9-81ED-4DB2-BD59-A6C34878D82A}">
+                    <a16:rowId xmlns:a16="http://schemas.microsoft.com/office/drawing/2014/main" val="1724786112"/>
+                  </a:ext>
+                </a:extLst>
+              </a:tr>
+            </a:tbl>
+          </a:graphicData>
+        </a:graphic>
+      </p:graphicFrame>
     </p:spTree>
     <p:extLst>
       <p:ext uri="{BB962C8B-B14F-4D97-AF65-F5344CB8AC3E}">
-        <p14:creationId xmlns:p14="http://schemas.microsoft.com/office/powerpoint/2010/main" val="2560121436"/>
+        <p14:creationId xmlns:p14="http://schemas.microsoft.com/office/powerpoint/2010/main" val="2713972304"/>
       </p:ext>
     </p:extLst>
   </p:cSld>
@@ -5071,7 +5271,7 @@
           <p:cNvPr id="2" name="Title 1">
             <a:extLst>
               <a:ext uri="{FF2B5EF4-FFF2-40B4-BE49-F238E27FC236}">
-                <a16:creationId xmlns:a16="http://schemas.microsoft.com/office/drawing/2014/main" id="{E2C73D97-DF1E-4360-BF04-397F64EB7AA5}"/>
+                <a16:creationId xmlns:a16="http://schemas.microsoft.com/office/drawing/2014/main" id="{CA9F0D85-F4EA-4FAC-8FDA-3A260E428403}"/>
               </a:ext>
             </a:extLst>
           </p:cNvPr>
@@ -5088,75 +5288,83 @@
           <a:lstStyle/>
           <a:p>
             <a:r>
-              <a:rPr lang="en-IN" b="1" dirty="0"/>
-              <a:t>Chunking</a:t>
-            </a:r>
-            <a:br>
-              <a:rPr lang="en-IN" b="1" dirty="0"/>
-            </a:br>
+              <a:rPr lang="en-US" dirty="0"/>
+              <a:t>RAG Architecture</a:t>
+            </a:r>
             <a:endParaRPr lang="en-IN" dirty="0"/>
           </a:p>
         </p:txBody>
       </p:sp>
-      <p:sp>
-        <p:nvSpPr>
-          <p:cNvPr id="3" name="Content Placeholder 2">
-            <a:extLst>
-              <a:ext uri="{FF2B5EF4-FFF2-40B4-BE49-F238E27FC236}">
-                <a16:creationId xmlns:a16="http://schemas.microsoft.com/office/drawing/2014/main" id="{E9BCC2DD-18EC-4B0D-99B9-87B802C4E887}"/>
-              </a:ext>
-            </a:extLst>
-          </p:cNvPr>
-          <p:cNvSpPr>
-            <a:spLocks noGrp="1"/>
-          </p:cNvSpPr>
+      <p:pic>
+        <p:nvPicPr>
+          <p:cNvPr id="4" name="Content Placeholder 3">
+            <a:extLst>
+              <a:ext uri="{FF2B5EF4-FFF2-40B4-BE49-F238E27FC236}">
+                <a16:creationId xmlns:a16="http://schemas.microsoft.com/office/drawing/2014/main" id="{E59F35C2-CB5A-4662-9A23-DED90694FD61}"/>
+              </a:ext>
+            </a:extLst>
+          </p:cNvPr>
+          <p:cNvPicPr>
+            <a:picLocks noGrp="1" noChangeAspect="1"/>
+          </p:cNvPicPr>
           <p:nvPr>
             <p:ph idx="1"/>
           </p:nvPr>
-        </p:nvSpPr>
-        <p:spPr/>
-        <p:txBody>
-          <a:bodyPr/>
-          <a:lstStyle/>
-          <a:p>
-            <a:r>
-              <a:rPr lang="en-IN" b="1" dirty="0"/>
-              <a:t>Document Segmentation:</a:t>
-            </a:r>
+        </p:nvPicPr>
+        <p:blipFill>
+          <a:blip r:embed="rId2"/>
+          <a:stretch>
+            <a:fillRect/>
+          </a:stretch>
+        </p:blipFill>
+        <p:spPr>
+          <a:xfrm>
+            <a:off x="1563030" y="1248560"/>
+            <a:ext cx="6735115" cy="4124901"/>
+          </a:xfrm>
+          <a:prstGeom prst="rect">
+            <a:avLst/>
+          </a:prstGeom>
+        </p:spPr>
+      </p:pic>
+      <p:sp>
+        <p:nvSpPr>
+          <p:cNvPr id="5" name="Rectangle 4">
+            <a:extLst>
+              <a:ext uri="{FF2B5EF4-FFF2-40B4-BE49-F238E27FC236}">
+                <a16:creationId xmlns:a16="http://schemas.microsoft.com/office/drawing/2014/main" id="{A1AC3FB4-B964-46BD-B78E-F4DA949A5329}"/>
+              </a:ext>
+            </a:extLst>
+          </p:cNvPr>
+          <p:cNvSpPr/>
+          <p:nvPr/>
+        </p:nvSpPr>
+        <p:spPr>
+          <a:xfrm>
+            <a:off x="295836" y="5692605"/>
+            <a:ext cx="11483788" cy="646331"/>
+          </a:xfrm>
+          <a:prstGeom prst="rect">
+            <a:avLst/>
+          </a:prstGeom>
+        </p:spPr>
+        <p:txBody>
+          <a:bodyPr wrap="square">
+            <a:spAutoFit/>
+          </a:bodyPr>
+          <a:lstStyle/>
+          <a:p>
             <a:r>
               <a:rPr lang="en-IN" dirty="0"/>
-              <a:t> Methods to break large documents into smaller, more manageable chunks.</a:t>
-            </a:r>
-          </a:p>
-          <a:p>
-            <a:r>
-              <a:rPr lang="en-IN" b="1" dirty="0"/>
-              <a:t>Contextual Awareness:</a:t>
-            </a:r>
-            <a:r>
-              <a:rPr lang="en-IN" dirty="0"/>
-              <a:t> Ensuring that chunks maintain context and meaning.</a:t>
-            </a:r>
-          </a:p>
-          <a:p>
-            <a:r>
-              <a:rPr lang="en-IN" b="1" dirty="0"/>
-              <a:t>Chunk Length Optimization:</a:t>
-            </a:r>
-            <a:r>
-              <a:rPr lang="en-IN" dirty="0"/>
-              <a:t> Determining the optimal chunk size for efficient retrieval and generation.</a:t>
-            </a:r>
-          </a:p>
-          <a:p>
-            <a:endParaRPr lang="en-IN" dirty="0"/>
+              <a:t>https://blog.stackademic.com/mastering-retrieval-augmented-generation-rag-architecture-unleash-the-power-of-large-language-a1d2be5f348c</a:t>
+            </a:r>
           </a:p>
         </p:txBody>
       </p:sp>
     </p:spTree>
     <p:extLst>
       <p:ext uri="{BB962C8B-B14F-4D97-AF65-F5344CB8AC3E}">
-        <p14:creationId xmlns:p14="http://schemas.microsoft.com/office/powerpoint/2010/main" val="12673311"/>
+        <p14:creationId xmlns:p14="http://schemas.microsoft.com/office/powerpoint/2010/main" val="375352582"/>
       </p:ext>
     </p:extLst>
   </p:cSld>
@@ -5188,7 +5396,7 @@
           <p:cNvPr id="2" name="Title 1">
             <a:extLst>
               <a:ext uri="{FF2B5EF4-FFF2-40B4-BE49-F238E27FC236}">
-                <a16:creationId xmlns:a16="http://schemas.microsoft.com/office/drawing/2014/main" id="{89BC0A73-A92E-499B-97B7-842262B441E4}"/>
+                <a16:creationId xmlns:a16="http://schemas.microsoft.com/office/drawing/2014/main" id="{2A505D1A-75EA-4D66-A07F-EB29D632DF0C}"/>
               </a:ext>
             </a:extLst>
           </p:cNvPr>
@@ -5205,11 +5413,11 @@
           <a:lstStyle/>
           <a:p>
             <a:r>
-              <a:rPr lang="en-IN" b="1" dirty="0"/>
-              <a:t>Semantic Search</a:t>
+              <a:rPr lang="en-US" b="1" dirty="0"/>
+              <a:t>Components:</a:t>
             </a:r>
             <a:br>
-              <a:rPr lang="en-IN" b="1" dirty="0"/>
+              <a:rPr lang="en-US" dirty="0"/>
             </a:br>
             <a:endParaRPr lang="en-IN" dirty="0"/>
           </a:p>
@@ -5220,7 +5428,7 @@
           <p:cNvPr id="3" name="Content Placeholder 2">
             <a:extLst>
               <a:ext uri="{FF2B5EF4-FFF2-40B4-BE49-F238E27FC236}">
-                <a16:creationId xmlns:a16="http://schemas.microsoft.com/office/drawing/2014/main" id="{48474B91-32FD-4339-8367-30C6DA8ED41A}"/>
+                <a16:creationId xmlns:a16="http://schemas.microsoft.com/office/drawing/2014/main" id="{3032BA5D-F101-4288-B399-E265F01B37D5}"/>
               </a:ext>
             </a:extLst>
           </p:cNvPr>
@@ -5233,44 +5441,58 @@
         </p:nvSpPr>
         <p:spPr/>
         <p:txBody>
-          <a:bodyPr/>
-          <a:lstStyle/>
-          <a:p>
-            <a:r>
-              <a:rPr lang="en-IN" b="1" dirty="0"/>
-              <a:t>Embedding Models:</a:t>
-            </a:r>
-            <a:r>
-              <a:rPr lang="en-IN" dirty="0"/>
-              <a:t> Techniques like BERT, </a:t>
-            </a:r>
-            <a:r>
-              <a:rPr lang="en-IN" dirty="0" err="1"/>
-              <a:t>RoBERTa</a:t>
-            </a:r>
-            <a:r>
-              <a:rPr lang="en-IN" dirty="0"/>
-              <a:t>, or Sentence Transformers for creating semantic embeddings.</a:t>
-            </a:r>
-          </a:p>
-          <a:p>
-            <a:r>
-              <a:rPr lang="en-IN" b="1" dirty="0"/>
-              <a:t>Similarity Metrics:</a:t>
-            </a:r>
-            <a:r>
-              <a:rPr lang="en-IN" dirty="0"/>
-              <a:t> Cosine similarity, Euclidean distance, or other metrics for comparing embeddings.</a:t>
-            </a:r>
-          </a:p>
-          <a:p>
-            <a:r>
-              <a:rPr lang="en-IN" b="1" dirty="0"/>
-              <a:t>Semantic Understanding:</a:t>
-            </a:r>
-            <a:r>
-              <a:rPr lang="en-IN" dirty="0"/>
-              <a:t> Capturing the underlying meaning and relationships between words and concepts.</a:t>
+          <a:bodyPr>
+            <a:normAutofit fontScale="92500" lnSpcReduction="10000"/>
+          </a:bodyPr>
+          <a:lstStyle/>
+          <a:p>
+            <a:r>
+              <a:rPr lang="en-US" b="1" dirty="0"/>
+              <a:t>Knowledge Base:</a:t>
+            </a:r>
+            <a:r>
+              <a:rPr lang="en-US" dirty="0"/>
+              <a:t> A repository of relevant information, such as documents, articles, or databases.</a:t>
+            </a:r>
+          </a:p>
+          <a:p>
+            <a:r>
+              <a:rPr lang="en-US" b="1" dirty="0"/>
+              <a:t>Query Embedding:</a:t>
+            </a:r>
+            <a:r>
+              <a:rPr lang="en-US" dirty="0"/>
+              <a:t> Converts the user's query into a numerical representation (embedding) that can be compared to the embeddings of the knowledge base.</a:t>
+            </a:r>
+          </a:p>
+          <a:p>
+            <a:r>
+              <a:rPr lang="en-US" b="1" dirty="0"/>
+              <a:t>Document Retrieval:</a:t>
+            </a:r>
+            <a:r>
+              <a:rPr lang="en-US" dirty="0"/>
+              <a:t> Searches the knowledge base for documents whose embeddings are most similar to the query embedding.</a:t>
+            </a:r>
+          </a:p>
+          <a:p>
+            <a:r>
+              <a:rPr lang="en-US" b="1" dirty="0"/>
+              <a:t>Prompt Engineering:</a:t>
+            </a:r>
+            <a:r>
+              <a:rPr lang="en-US" dirty="0"/>
+              <a:t> Constructs a prompt that combines the original query with the retrieved documents, providing context for the LLM.</a:t>
+            </a:r>
+          </a:p>
+          <a:p>
+            <a:r>
+              <a:rPr lang="en-US" b="1" dirty="0"/>
+              <a:t>Language Model (LLM):</a:t>
+            </a:r>
+            <a:r>
+              <a:rPr lang="en-US" dirty="0"/>
+              <a:t> Generates a response based on the prompt and its understanding of the retrieved documents.</a:t>
             </a:r>
           </a:p>
           <a:p>
@@ -5281,7 +5503,7 @@
     </p:spTree>
     <p:extLst>
       <p:ext uri="{BB962C8B-B14F-4D97-AF65-F5344CB8AC3E}">
-        <p14:creationId xmlns:p14="http://schemas.microsoft.com/office/powerpoint/2010/main" val="3275600084"/>
+        <p14:creationId xmlns:p14="http://schemas.microsoft.com/office/powerpoint/2010/main" val="4106771928"/>
       </p:ext>
     </p:extLst>
   </p:cSld>
@@ -5313,7 +5535,7 @@
           <p:cNvPr id="2" name="Title 1">
             <a:extLst>
               <a:ext uri="{FF2B5EF4-FFF2-40B4-BE49-F238E27FC236}">
-                <a16:creationId xmlns:a16="http://schemas.microsoft.com/office/drawing/2014/main" id="{16D91FE2-9AB3-4D99-BDA7-2766DD8B84E7}"/>
+                <a16:creationId xmlns:a16="http://schemas.microsoft.com/office/drawing/2014/main" id="{C7268487-B67C-4FF8-90AA-545E30C238B1}"/>
               </a:ext>
             </a:extLst>
           </p:cNvPr>
@@ -5331,10 +5553,10 @@
           <a:p>
             <a:r>
               <a:rPr lang="en-US" b="1" dirty="0"/>
-              <a:t>Prompt Engineering</a:t>
+              <a:t>Process Flow:</a:t>
             </a:r>
             <a:br>
-              <a:rPr lang="en-US" b="1" dirty="0"/>
+              <a:rPr lang="en-US" dirty="0"/>
             </a:br>
             <a:endParaRPr lang="en-IN" dirty="0"/>
           </a:p>
@@ -5345,7 +5567,7 @@
           <p:cNvPr id="3" name="Content Placeholder 2">
             <a:extLst>
               <a:ext uri="{FF2B5EF4-FFF2-40B4-BE49-F238E27FC236}">
-                <a16:creationId xmlns:a16="http://schemas.microsoft.com/office/drawing/2014/main" id="{D706C964-EEA3-406D-8FB4-E3C559347A46}"/>
+                <a16:creationId xmlns:a16="http://schemas.microsoft.com/office/drawing/2014/main" id="{92238123-4EC5-495D-A3EF-6BAEDD81823D}"/>
               </a:ext>
             </a:extLst>
           </p:cNvPr>
@@ -5363,31 +5585,51 @@
           <a:p>
             <a:r>
               <a:rPr lang="en-US" b="1" dirty="0"/>
-              <a:t>Prompt Templates:</a:t>
-            </a:r>
-            <a:r>
-              <a:rPr lang="en-US" dirty="0"/>
-              <a:t> Designing effective prompts that guide the LLM's response.</a:t>
+              <a:t>User Query:</a:t>
+            </a:r>
+            <a:r>
+              <a:rPr lang="en-US" dirty="0"/>
+              <a:t> The user submits a query.</a:t>
             </a:r>
           </a:p>
           <a:p>
             <a:r>
               <a:rPr lang="en-US" b="1" dirty="0"/>
-              <a:t>Few-Shot Learning:</a:t>
-            </a:r>
-            <a:r>
-              <a:rPr lang="en-US" dirty="0"/>
-              <a:t> Providing examples or demonstrations to help the LLM understand the task.</a:t>
+              <a:t>Query Embedding:</a:t>
+            </a:r>
+            <a:r>
+              <a:rPr lang="en-US" dirty="0"/>
+              <a:t> The query is converted into an embedding.</a:t>
             </a:r>
           </a:p>
           <a:p>
             <a:r>
               <a:rPr lang="en-US" b="1" dirty="0"/>
-              <a:t>Prompt Optimization:</a:t>
-            </a:r>
-            <a:r>
-              <a:rPr lang="en-US" dirty="0"/>
-              <a:t> Iterative refinement of prompts to improve response quality.</a:t>
+              <a:t>Document Retrieval:</a:t>
+            </a:r>
+            <a:r>
+              <a:rPr lang="en-US" dirty="0"/>
+              <a:t> The most relevant documents from the knowledge base are retrieved based on their embeddings.</a:t>
+            </a:r>
+          </a:p>
+          <a:p>
+            <a:r>
+              <a:rPr lang="en-US" b="1" dirty="0"/>
+              <a:t>Prompt Engineering:</a:t>
+            </a:r>
+            <a:r>
+              <a:rPr lang="en-US" dirty="0"/>
+              <a:t> A prompt is created using the query and the retrieved documents.</a:t>
+            </a:r>
+          </a:p>
+          <a:p>
+            <a:r>
+              <a:rPr lang="en-US" b="1" dirty="0"/>
+              <a:t>LLM Generation:</a:t>
+            </a:r>
+            <a:r>
+              <a:rPr lang="en-US" dirty="0"/>
+              <a:t> The LLM processes the prompt and generates a response.</a:t>
             </a:r>
           </a:p>
           <a:p>
@@ -5398,7 +5640,7 @@
     </p:spTree>
     <p:extLst>
       <p:ext uri="{BB962C8B-B14F-4D97-AF65-F5344CB8AC3E}">
-        <p14:creationId xmlns:p14="http://schemas.microsoft.com/office/powerpoint/2010/main" val="3917968713"/>
+        <p14:creationId xmlns:p14="http://schemas.microsoft.com/office/powerpoint/2010/main" val="2208268794"/>
       </p:ext>
     </p:extLst>
   </p:cSld>
@@ -5430,7 +5672,7 @@
           <p:cNvPr id="2" name="Title 1">
             <a:extLst>
               <a:ext uri="{FF2B5EF4-FFF2-40B4-BE49-F238E27FC236}">
-                <a16:creationId xmlns:a16="http://schemas.microsoft.com/office/drawing/2014/main" id="{2B9A3B72-83ED-4484-9949-C55BB9C285C3}"/>
+                <a16:creationId xmlns:a16="http://schemas.microsoft.com/office/drawing/2014/main" id="{5EDC9D03-A9EB-4B2B-B7E2-DF6866987017}"/>
               </a:ext>
             </a:extLst>
           </p:cNvPr>
@@ -5447,11 +5689,11 @@
           <a:lstStyle/>
           <a:p>
             <a:r>
-              <a:rPr lang="en-US" b="1" dirty="0"/>
-              <a:t>LLM Integration</a:t>
+              <a:rPr lang="en-IN" b="1" dirty="0"/>
+              <a:t>Retrieval</a:t>
             </a:r>
             <a:br>
-              <a:rPr lang="en-US" b="1" dirty="0"/>
+              <a:rPr lang="en-IN" b="1" dirty="0"/>
             </a:br>
             <a:endParaRPr lang="en-IN" dirty="0"/>
           </a:p>
@@ -5462,7 +5704,7 @@
           <p:cNvPr id="3" name="Content Placeholder 2">
             <a:extLst>
               <a:ext uri="{FF2B5EF4-FFF2-40B4-BE49-F238E27FC236}">
-                <a16:creationId xmlns:a16="http://schemas.microsoft.com/office/drawing/2014/main" id="{CFD6C8DD-672C-40AD-AF3D-E4EEDACA04B4}"/>
+                <a16:creationId xmlns:a16="http://schemas.microsoft.com/office/drawing/2014/main" id="{61736C4A-ED6D-451D-9CBD-1F0BA4655376}"/>
               </a:ext>
             </a:extLst>
           </p:cNvPr>
@@ -5479,48 +5721,40 @@
           <a:lstStyle/>
           <a:p>
             <a:r>
-              <a:rPr lang="en-US" b="1" dirty="0"/>
-              <a:t>API Integration:</a:t>
-            </a:r>
-            <a:r>
-              <a:rPr lang="en-US" dirty="0"/>
-              <a:t> Connecting to LLM providers like </a:t>
-            </a:r>
-            <a:r>
-              <a:rPr lang="en-US" dirty="0" err="1"/>
-              <a:t>OpenAI</a:t>
-            </a:r>
-            <a:r>
-              <a:rPr lang="en-US" dirty="0"/>
-              <a:t>, Hugging Face, or Google AI.</a:t>
-            </a:r>
-          </a:p>
-          <a:p>
-            <a:r>
-              <a:rPr lang="en-US" b="1" dirty="0"/>
-              <a:t>Model Selection:</a:t>
-            </a:r>
-            <a:r>
-              <a:rPr lang="en-US" dirty="0"/>
-              <a:t> Choosing the appropriate LLM based on task requirements and performance.</a:t>
-            </a:r>
-          </a:p>
-          <a:p>
-            <a:r>
-              <a:rPr lang="en-US" b="1" dirty="0"/>
-              <a:t>Parameter Tuning:</a:t>
-            </a:r>
-            <a:r>
-              <a:rPr lang="en-US" dirty="0"/>
-              <a:t> Adjusting LLM parameters (e.g., temperature, </a:t>
-            </a:r>
-            <a:r>
-              <a:rPr lang="en-US" dirty="0" err="1"/>
-              <a:t>top_p</a:t>
-            </a:r>
-            <a:r>
-              <a:rPr lang="en-US" dirty="0"/>
-              <a:t>) to control the output.</a:t>
+              <a:rPr lang="en-IN" b="1" dirty="0"/>
+              <a:t>Vector Databases:</a:t>
+            </a:r>
+            <a:r>
+              <a:rPr lang="en-IN" dirty="0"/>
+              <a:t> Tools like </a:t>
+            </a:r>
+            <a:r>
+              <a:rPr lang="en-IN" dirty="0" err="1"/>
+              <a:t>Faiss</a:t>
+            </a:r>
+            <a:r>
+              <a:rPr lang="en-IN" dirty="0"/>
+              <a:t>, Annoy, or Pinecone for efficient similarity search.</a:t>
+            </a:r>
+          </a:p>
+          <a:p>
+            <a:r>
+              <a:rPr lang="en-IN" b="1" dirty="0"/>
+              <a:t>Indexing Techniques:</a:t>
+            </a:r>
+            <a:r>
+              <a:rPr lang="en-IN" dirty="0"/>
+              <a:t> Methods like TF-IDF, BM25, or semantic search for representing and comparing documents.</a:t>
+            </a:r>
+          </a:p>
+          <a:p>
+            <a:r>
+              <a:rPr lang="en-IN" b="1" dirty="0"/>
+              <a:t>Query Understanding:</a:t>
+            </a:r>
+            <a:r>
+              <a:rPr lang="en-IN" dirty="0"/>
+              <a:t> Techniques to parse and understand user queries effectively.</a:t>
             </a:r>
           </a:p>
           <a:p>
@@ -5531,7 +5765,7 @@
     </p:spTree>
     <p:extLst>
       <p:ext uri="{BB962C8B-B14F-4D97-AF65-F5344CB8AC3E}">
-        <p14:creationId xmlns:p14="http://schemas.microsoft.com/office/powerpoint/2010/main" val="2810210589"/>
+        <p14:creationId xmlns:p14="http://schemas.microsoft.com/office/powerpoint/2010/main" val="2560121436"/>
       </p:ext>
     </p:extLst>
   </p:cSld>
@@ -5563,7 +5797,7 @@
           <p:cNvPr id="2" name="Title 1">
             <a:extLst>
               <a:ext uri="{FF2B5EF4-FFF2-40B4-BE49-F238E27FC236}">
-                <a16:creationId xmlns:a16="http://schemas.microsoft.com/office/drawing/2014/main" id="{AC8F2C40-9509-4763-B901-6C6D09298D0B}"/>
+                <a16:creationId xmlns:a16="http://schemas.microsoft.com/office/drawing/2014/main" id="{E2C73D97-DF1E-4360-BF04-397F64EB7AA5}"/>
               </a:ext>
             </a:extLst>
           </p:cNvPr>
@@ -5580,11 +5814,11 @@
           <a:lstStyle/>
           <a:p>
             <a:r>
-              <a:rPr lang="en-US" b="1" dirty="0"/>
-              <a:t>Evaluation</a:t>
+              <a:rPr lang="en-IN" b="1" dirty="0"/>
+              <a:t>Chunking</a:t>
             </a:r>
             <a:br>
-              <a:rPr lang="en-US" b="1" dirty="0"/>
+              <a:rPr lang="en-IN" b="1" dirty="0"/>
             </a:br>
             <a:endParaRPr lang="en-IN" dirty="0"/>
           </a:p>
@@ -5595,7 +5829,7 @@
           <p:cNvPr id="3" name="Content Placeholder 2">
             <a:extLst>
               <a:ext uri="{FF2B5EF4-FFF2-40B4-BE49-F238E27FC236}">
-                <a16:creationId xmlns:a16="http://schemas.microsoft.com/office/drawing/2014/main" id="{F7BABD8B-26F8-4A10-A631-E1A6EAD6A1DF}"/>
+                <a16:creationId xmlns:a16="http://schemas.microsoft.com/office/drawing/2014/main" id="{E9BCC2DD-18EC-4B0D-99B9-87B802C4E887}"/>
               </a:ext>
             </a:extLst>
           </p:cNvPr>
@@ -5612,32 +5846,32 @@
           <a:lstStyle/>
           <a:p>
             <a:r>
-              <a:rPr lang="en-US" b="1" dirty="0"/>
-              <a:t>Metrics:</a:t>
-            </a:r>
-            <a:r>
-              <a:rPr lang="en-US" dirty="0"/>
-              <a:t> Using metrics like BLEU, ROUGE, or METEOR to assess the quality of generated responses.</a:t>
-            </a:r>
-          </a:p>
-          <a:p>
-            <a:r>
-              <a:rPr lang="en-US" b="1" dirty="0"/>
-              <a:t>Human Evaluation:</a:t>
-            </a:r>
-            <a:r>
-              <a:rPr lang="en-US" dirty="0"/>
-              <a:t> Gathering feedback from human experts to evaluate subjective aspects like relevance and coherence.</a:t>
-            </a:r>
-          </a:p>
-          <a:p>
-            <a:r>
-              <a:rPr lang="en-US" b="1" dirty="0"/>
-              <a:t>Bias and Fairness:</a:t>
-            </a:r>
-            <a:r>
-              <a:rPr lang="en-US" dirty="0"/>
-              <a:t> Ensuring the LLM's outputs are unbiased and fair.</a:t>
+              <a:rPr lang="en-IN" b="1" dirty="0"/>
+              <a:t>Document Segmentation:</a:t>
+            </a:r>
+            <a:r>
+              <a:rPr lang="en-IN" dirty="0"/>
+              <a:t> Methods to break large documents into smaller, more manageable chunks.</a:t>
+            </a:r>
+          </a:p>
+          <a:p>
+            <a:r>
+              <a:rPr lang="en-IN" b="1" dirty="0"/>
+              <a:t>Contextual Awareness:</a:t>
+            </a:r>
+            <a:r>
+              <a:rPr lang="en-IN" dirty="0"/>
+              <a:t> Ensuring that chunks maintain context and meaning.</a:t>
+            </a:r>
+          </a:p>
+          <a:p>
+            <a:r>
+              <a:rPr lang="en-IN" b="1" dirty="0"/>
+              <a:t>Chunk Length Optimization:</a:t>
+            </a:r>
+            <a:r>
+              <a:rPr lang="en-IN" dirty="0"/>
+              <a:t> Determining the optimal chunk size for efficient retrieval and generation.</a:t>
             </a:r>
           </a:p>
           <a:p>
@@ -5648,7 +5882,7 @@
     </p:spTree>
     <p:extLst>
       <p:ext uri="{BB962C8B-B14F-4D97-AF65-F5344CB8AC3E}">
-        <p14:creationId xmlns:p14="http://schemas.microsoft.com/office/powerpoint/2010/main" val="2612583276"/>
+        <p14:creationId xmlns:p14="http://schemas.microsoft.com/office/powerpoint/2010/main" val="12673311"/>
       </p:ext>
     </p:extLst>
   </p:cSld>
@@ -5680,7 +5914,7 @@
           <p:cNvPr id="2" name="Title 1">
             <a:extLst>
               <a:ext uri="{FF2B5EF4-FFF2-40B4-BE49-F238E27FC236}">
-                <a16:creationId xmlns:a16="http://schemas.microsoft.com/office/drawing/2014/main" id="{E8B1AA56-384C-4988-9181-81573DB7F8C2}"/>
+                <a16:creationId xmlns:a16="http://schemas.microsoft.com/office/drawing/2014/main" id="{89BC0A73-A92E-499B-97B7-842262B441E4}"/>
               </a:ext>
             </a:extLst>
           </p:cNvPr>
@@ -5697,9 +5931,13 @@
           <a:lstStyle/>
           <a:p>
             <a:r>
-              <a:rPr lang="en-US" b="1" dirty="0"/>
-              <a:t>Advanced RAGs</a:t>
-            </a:r>
+              <a:rPr lang="en-IN" b="1" dirty="0"/>
+              <a:t>Semantic Search</a:t>
+            </a:r>
+            <a:br>
+              <a:rPr lang="en-IN" b="1" dirty="0"/>
+            </a:br>
+            <a:endParaRPr lang="en-IN" dirty="0"/>
           </a:p>
         </p:txBody>
       </p:sp>
@@ -5708,7 +5946,7 @@
           <p:cNvPr id="3" name="Content Placeholder 2">
             <a:extLst>
               <a:ext uri="{FF2B5EF4-FFF2-40B4-BE49-F238E27FC236}">
-                <a16:creationId xmlns:a16="http://schemas.microsoft.com/office/drawing/2014/main" id="{17286A28-8ABD-4886-A81F-A405DFE77B8C}"/>
+                <a16:creationId xmlns:a16="http://schemas.microsoft.com/office/drawing/2014/main" id="{48474B91-32FD-4339-8367-30C6DA8ED41A}"/>
               </a:ext>
             </a:extLst>
           </p:cNvPr>
@@ -5725,46 +5963,51 @@
           <a:lstStyle/>
           <a:p>
             <a:r>
+              <a:rPr lang="en-IN" b="1" dirty="0"/>
+              <a:t>Embedding Models:</a:t>
+            </a:r>
+            <a:r>
               <a:rPr lang="en-IN" dirty="0"/>
-              <a:t>Hybrid Retrieval Models</a:t>
-            </a:r>
-          </a:p>
-          <a:p>
+              <a:t> Techniques like BERT, </a:t>
+            </a:r>
+            <a:r>
+              <a:rPr lang="en-IN" dirty="0" err="1"/>
+              <a:t>RoBERTa</a:t>
+            </a:r>
             <a:r>
               <a:rPr lang="en-IN" dirty="0"/>
-              <a:t>Multi-Modal RAG</a:t>
-            </a:r>
-          </a:p>
-          <a:p>
+              <a:t>, or Sentence Transformers for creating semantic embeddings.</a:t>
+            </a:r>
+          </a:p>
+          <a:p>
+            <a:r>
+              <a:rPr lang="en-IN" b="1" dirty="0"/>
+              <a:t>Similarity Metrics:</a:t>
+            </a:r>
             <a:r>
               <a:rPr lang="en-IN" dirty="0"/>
-              <a:t>Knowledge Graph Integration</a:t>
-            </a:r>
-          </a:p>
-          <a:p>
+              <a:t> Cosine similarity, Euclidean distance, or other metrics for comparing embeddings.</a:t>
+            </a:r>
+          </a:p>
+          <a:p>
+            <a:r>
+              <a:rPr lang="en-IN" b="1" dirty="0"/>
+              <a:t>Semantic Understanding:</a:t>
+            </a:r>
             <a:r>
               <a:rPr lang="en-IN" dirty="0"/>
-              <a:t>Reinforcement Learning for RAG</a:t>
-            </a:r>
-          </a:p>
-          <a:p>
-            <a:r>
-              <a:rPr lang="en-IN" dirty="0"/>
-              <a:t>Explainable RAG</a:t>
-            </a:r>
-          </a:p>
-          <a:p>
-            <a:r>
-              <a:rPr lang="en-IN" dirty="0"/>
-              <a:t>Large-Scale RAG</a:t>
-            </a:r>
+              <a:t> Capturing the underlying meaning and relationships between words and concepts.</a:t>
+            </a:r>
+          </a:p>
+          <a:p>
+            <a:endParaRPr lang="en-IN" dirty="0"/>
           </a:p>
         </p:txBody>
       </p:sp>
     </p:spTree>
     <p:extLst>
       <p:ext uri="{BB962C8B-B14F-4D97-AF65-F5344CB8AC3E}">
-        <p14:creationId xmlns:p14="http://schemas.microsoft.com/office/powerpoint/2010/main" val="3908448867"/>
+        <p14:creationId xmlns:p14="http://schemas.microsoft.com/office/powerpoint/2010/main" val="3275600084"/>
       </p:ext>
     </p:extLst>
   </p:cSld>
@@ -5796,7 +6039,7 @@
           <p:cNvPr id="2" name="Title 1">
             <a:extLst>
               <a:ext uri="{FF2B5EF4-FFF2-40B4-BE49-F238E27FC236}">
-                <a16:creationId xmlns:a16="http://schemas.microsoft.com/office/drawing/2014/main" id="{A6E51D9B-F7AA-4F11-A0DB-CD8185984833}"/>
+                <a16:creationId xmlns:a16="http://schemas.microsoft.com/office/drawing/2014/main" id="{16D91FE2-9AB3-4D99-BDA7-2766DD8B84E7}"/>
               </a:ext>
             </a:extLst>
           </p:cNvPr>
@@ -5813,11 +6056,11 @@
           <a:lstStyle/>
           <a:p>
             <a:r>
-              <a:rPr lang="en-IN" b="1" dirty="0"/>
-              <a:t>Hybrid Retrieval Models</a:t>
+              <a:rPr lang="en-US" b="1" dirty="0"/>
+              <a:t>Prompt Engineering</a:t>
             </a:r>
             <a:br>
-              <a:rPr lang="en-IN" b="1" dirty="0"/>
+              <a:rPr lang="en-US" b="1" dirty="0"/>
             </a:br>
             <a:endParaRPr lang="en-IN" dirty="0"/>
           </a:p>
@@ -5828,7 +6071,7 @@
           <p:cNvPr id="3" name="Content Placeholder 2">
             <a:extLst>
               <a:ext uri="{FF2B5EF4-FFF2-40B4-BE49-F238E27FC236}">
-                <a16:creationId xmlns:a16="http://schemas.microsoft.com/office/drawing/2014/main" id="{1B90E0C2-A918-4303-BA7B-2B806CC33570}"/>
+                <a16:creationId xmlns:a16="http://schemas.microsoft.com/office/drawing/2014/main" id="{D706C964-EEA3-406D-8FB4-E3C559347A46}"/>
               </a:ext>
             </a:extLst>
           </p:cNvPr>
@@ -5845,32 +6088,32 @@
           <a:lstStyle/>
           <a:p>
             <a:r>
-              <a:rPr lang="en-IN" b="1" dirty="0"/>
-              <a:t>Combining Different Retrieval Methods:</a:t>
-            </a:r>
-            <a:r>
-              <a:rPr lang="en-IN" dirty="0"/>
-              <a:t> Integrating semantic search with keyword-based retrieval for a more comprehensive approach.</a:t>
-            </a:r>
-          </a:p>
-          <a:p>
-            <a:r>
-              <a:rPr lang="en-IN" b="1" dirty="0"/>
-              <a:t>Hierarchical Retrieval:</a:t>
-            </a:r>
-            <a:r>
-              <a:rPr lang="en-IN" dirty="0"/>
-              <a:t> Organizing knowledge bases into hierarchies for more efficient retrieval.</a:t>
-            </a:r>
-          </a:p>
-          <a:p>
-            <a:r>
-              <a:rPr lang="en-IN" b="1" dirty="0"/>
-              <a:t>Contextual Retrieval:</a:t>
-            </a:r>
-            <a:r>
-              <a:rPr lang="en-IN" dirty="0"/>
-              <a:t> Considering the context of the query and retrieved documents for more relevant results.</a:t>
+              <a:rPr lang="en-US" b="1" dirty="0"/>
+              <a:t>Prompt Templates:</a:t>
+            </a:r>
+            <a:r>
+              <a:rPr lang="en-US" dirty="0"/>
+              <a:t> Designing effective prompts that guide the LLM's response.</a:t>
+            </a:r>
+          </a:p>
+          <a:p>
+            <a:r>
+              <a:rPr lang="en-US" b="1" dirty="0"/>
+              <a:t>Few-Shot Learning:</a:t>
+            </a:r>
+            <a:r>
+              <a:rPr lang="en-US" dirty="0"/>
+              <a:t> Providing examples or demonstrations to help the LLM understand the task.</a:t>
+            </a:r>
+          </a:p>
+          <a:p>
+            <a:r>
+              <a:rPr lang="en-US" b="1" dirty="0"/>
+              <a:t>Prompt Optimization:</a:t>
+            </a:r>
+            <a:r>
+              <a:rPr lang="en-US" dirty="0"/>
+              <a:t> Iterative refinement of prompts to improve response quality.</a:t>
             </a:r>
           </a:p>
           <a:p>
@@ -5881,7 +6124,7 @@
     </p:spTree>
     <p:extLst>
       <p:ext uri="{BB962C8B-B14F-4D97-AF65-F5344CB8AC3E}">
-        <p14:creationId xmlns:p14="http://schemas.microsoft.com/office/powerpoint/2010/main" val="902598413"/>
+        <p14:creationId xmlns:p14="http://schemas.microsoft.com/office/powerpoint/2010/main" val="3917968713"/>
       </p:ext>
     </p:extLst>
   </p:cSld>
@@ -5913,7 +6156,7 @@
           <p:cNvPr id="2" name="Title 1">
             <a:extLst>
               <a:ext uri="{FF2B5EF4-FFF2-40B4-BE49-F238E27FC236}">
-                <a16:creationId xmlns:a16="http://schemas.microsoft.com/office/drawing/2014/main" id="{47DE4ECC-2A0C-4827-950F-78BDB6781B29}"/>
+                <a16:creationId xmlns:a16="http://schemas.microsoft.com/office/drawing/2014/main" id="{2B9A3B72-83ED-4484-9949-C55BB9C285C3}"/>
               </a:ext>
             </a:extLst>
           </p:cNvPr>
@@ -5931,7 +6174,7 @@
           <a:p>
             <a:r>
               <a:rPr lang="en-US" b="1" dirty="0"/>
-              <a:t>Multi-Modal RAG</a:t>
+              <a:t>LLM Integration</a:t>
             </a:r>
             <a:br>
               <a:rPr lang="en-US" b="1" dirty="0"/>
@@ -5945,7 +6188,7 @@
           <p:cNvPr id="3" name="Content Placeholder 2">
             <a:extLst>
               <a:ext uri="{FF2B5EF4-FFF2-40B4-BE49-F238E27FC236}">
-                <a16:creationId xmlns:a16="http://schemas.microsoft.com/office/drawing/2014/main" id="{1D4AD9DF-FB3C-4883-B2D3-C61A42674F02}"/>
+                <a16:creationId xmlns:a16="http://schemas.microsoft.com/office/drawing/2014/main" id="{CFD6C8DD-672C-40AD-AF3D-E4EEDACA04B4}"/>
               </a:ext>
             </a:extLst>
           </p:cNvPr>
@@ -5963,21 +6206,47 @@
           <a:p>
             <a:r>
               <a:rPr lang="en-US" b="1" dirty="0"/>
-              <a:t>Image and Text Integration:</a:t>
-            </a:r>
-            <a:r>
-              <a:rPr lang="en-US" dirty="0"/>
-              <a:t> Incorporating visual information to enhance understanding and response generation.</a:t>
+              <a:t>API Integration:</a:t>
+            </a:r>
+            <a:r>
+              <a:rPr lang="en-US" dirty="0"/>
+              <a:t> Connecting to LLM providers like </a:t>
+            </a:r>
+            <a:r>
+              <a:rPr lang="en-US" dirty="0" err="1"/>
+              <a:t>OpenAI</a:t>
+            </a:r>
+            <a:r>
+              <a:rPr lang="en-US" dirty="0"/>
+              <a:t>, Hugging Face, or Google AI.</a:t>
             </a:r>
           </a:p>
           <a:p>
             <a:r>
               <a:rPr lang="en-US" b="1" dirty="0"/>
-              <a:t>Audio and Text Integration:</a:t>
-            </a:r>
-            <a:r>
-              <a:rPr lang="en-US" dirty="0"/>
-              <a:t> Combining textual and auditory data for more nuanced responses.</a:t>
+              <a:t>Model Selection:</a:t>
+            </a:r>
+            <a:r>
+              <a:rPr lang="en-US" dirty="0"/>
+              <a:t> Choosing the appropriate LLM based on task requirements and performance.</a:t>
+            </a:r>
+          </a:p>
+          <a:p>
+            <a:r>
+              <a:rPr lang="en-US" b="1" dirty="0"/>
+              <a:t>Parameter Tuning:</a:t>
+            </a:r>
+            <a:r>
+              <a:rPr lang="en-US" dirty="0"/>
+              <a:t> Adjusting LLM parameters (e.g., temperature, </a:t>
+            </a:r>
+            <a:r>
+              <a:rPr lang="en-US" dirty="0" err="1"/>
+              <a:t>top_p</a:t>
+            </a:r>
+            <a:r>
+              <a:rPr lang="en-US" dirty="0"/>
+              <a:t>) to control the output.</a:t>
             </a:r>
           </a:p>
           <a:p>
@@ -5988,7 +6257,7 @@
     </p:spTree>
     <p:extLst>
       <p:ext uri="{BB962C8B-B14F-4D97-AF65-F5344CB8AC3E}">
-        <p14:creationId xmlns:p14="http://schemas.microsoft.com/office/powerpoint/2010/main" val="2149975094"/>
+        <p14:creationId xmlns:p14="http://schemas.microsoft.com/office/powerpoint/2010/main" val="2810210589"/>
       </p:ext>
     </p:extLst>
   </p:cSld>
@@ -6020,7 +6289,7 @@
           <p:cNvPr id="2" name="Title 1">
             <a:extLst>
               <a:ext uri="{FF2B5EF4-FFF2-40B4-BE49-F238E27FC236}">
-                <a16:creationId xmlns:a16="http://schemas.microsoft.com/office/drawing/2014/main" id="{66B943CA-14D8-4BA2-90DD-8211D20B9646}"/>
+                <a16:creationId xmlns:a16="http://schemas.microsoft.com/office/drawing/2014/main" id="{AC8F2C40-9509-4763-B901-6C6D09298D0B}"/>
               </a:ext>
             </a:extLst>
           </p:cNvPr>
@@ -6038,7 +6307,7 @@
           <a:p>
             <a:r>
               <a:rPr lang="en-US" b="1" dirty="0"/>
-              <a:t>Knowledge Graph Integration</a:t>
+              <a:t>Evaluation</a:t>
             </a:r>
             <a:br>
               <a:rPr lang="en-US" b="1" dirty="0"/>
@@ -6052,7 +6321,7 @@
           <p:cNvPr id="3" name="Content Placeholder 2">
             <a:extLst>
               <a:ext uri="{FF2B5EF4-FFF2-40B4-BE49-F238E27FC236}">
-                <a16:creationId xmlns:a16="http://schemas.microsoft.com/office/drawing/2014/main" id="{4343F9B8-E953-4E56-8B7A-BEA23DEFDA09}"/>
+                <a16:creationId xmlns:a16="http://schemas.microsoft.com/office/drawing/2014/main" id="{F7BABD8B-26F8-4A10-A631-E1A6EAD6A1DF}"/>
               </a:ext>
             </a:extLst>
           </p:cNvPr>
@@ -6070,21 +6339,31 @@
           <a:p>
             <a:r>
               <a:rPr lang="en-US" b="1" dirty="0"/>
-              <a:t>Semantic Relationships:</a:t>
-            </a:r>
-            <a:r>
-              <a:rPr lang="en-US" dirty="0"/>
-              <a:t> Leveraging knowledge graphs to capture relationships between entities and concepts.</a:t>
+              <a:t>Metrics:</a:t>
+            </a:r>
+            <a:r>
+              <a:rPr lang="en-US" dirty="0"/>
+              <a:t> Using metrics like BLEU, ROUGE, or METEOR to assess the quality of generated responses.</a:t>
             </a:r>
           </a:p>
           <a:p>
             <a:r>
               <a:rPr lang="en-US" b="1" dirty="0"/>
-              <a:t>Reasoning and Inference:</a:t>
-            </a:r>
-            <a:r>
-              <a:rPr lang="en-US" dirty="0"/>
-              <a:t> Using knowledge graphs to perform logical reasoning and draw inferences.</a:t>
+              <a:t>Human Evaluation:</a:t>
+            </a:r>
+            <a:r>
+              <a:rPr lang="en-US" dirty="0"/>
+              <a:t> Gathering feedback from human experts to evaluate subjective aspects like relevance and coherence.</a:t>
+            </a:r>
+          </a:p>
+          <a:p>
+            <a:r>
+              <a:rPr lang="en-US" b="1" dirty="0"/>
+              <a:t>Bias and Fairness:</a:t>
+            </a:r>
+            <a:r>
+              <a:rPr lang="en-US" dirty="0"/>
+              <a:t> Ensuring the LLM's outputs are unbiased and fair.</a:t>
             </a:r>
           </a:p>
           <a:p>
@@ -6095,7 +6374,7 @@
     </p:spTree>
     <p:extLst>
       <p:ext uri="{BB962C8B-B14F-4D97-AF65-F5344CB8AC3E}">
-        <p14:creationId xmlns:p14="http://schemas.microsoft.com/office/powerpoint/2010/main" val="1928395094"/>
+        <p14:creationId xmlns:p14="http://schemas.microsoft.com/office/powerpoint/2010/main" val="2612583276"/>
       </p:ext>
     </p:extLst>
   </p:cSld>
@@ -6127,7 +6406,7 @@
           <p:cNvPr id="2" name="Title 1">
             <a:extLst>
               <a:ext uri="{FF2B5EF4-FFF2-40B4-BE49-F238E27FC236}">
-                <a16:creationId xmlns:a16="http://schemas.microsoft.com/office/drawing/2014/main" id="{3DEA7786-E269-469A-8C2E-37359FEE73E4}"/>
+                <a16:creationId xmlns:a16="http://schemas.microsoft.com/office/drawing/2014/main" id="{E8B1AA56-384C-4988-9181-81573DB7F8C2}"/>
               </a:ext>
             </a:extLst>
           </p:cNvPr>
@@ -6145,70 +6424,73 @@
           <a:p>
             <a:r>
               <a:rPr lang="en-US" b="1" dirty="0"/>
+              <a:t>Advanced RAGs</a:t>
+            </a:r>
+          </a:p>
+        </p:txBody>
+      </p:sp>
+      <p:sp>
+        <p:nvSpPr>
+          <p:cNvPr id="3" name="Content Placeholder 2">
+            <a:extLst>
+              <a:ext uri="{FF2B5EF4-FFF2-40B4-BE49-F238E27FC236}">
+                <a16:creationId xmlns:a16="http://schemas.microsoft.com/office/drawing/2014/main" id="{17286A28-8ABD-4886-A81F-A405DFE77B8C}"/>
+              </a:ext>
+            </a:extLst>
+          </p:cNvPr>
+          <p:cNvSpPr>
+            <a:spLocks noGrp="1"/>
+          </p:cNvSpPr>
+          <p:nvPr>
+            <p:ph idx="1"/>
+          </p:nvPr>
+        </p:nvSpPr>
+        <p:spPr/>
+        <p:txBody>
+          <a:bodyPr/>
+          <a:lstStyle/>
+          <a:p>
+            <a:r>
+              <a:rPr lang="en-IN" dirty="0"/>
+              <a:t>Hybrid Retrieval Models</a:t>
+            </a:r>
+          </a:p>
+          <a:p>
+            <a:r>
+              <a:rPr lang="en-IN" dirty="0"/>
+              <a:t>Multi-Modal RAG</a:t>
+            </a:r>
+          </a:p>
+          <a:p>
+            <a:r>
+              <a:rPr lang="en-IN" dirty="0"/>
+              <a:t>Knowledge Graph Integration</a:t>
+            </a:r>
+          </a:p>
+          <a:p>
+            <a:r>
+              <a:rPr lang="en-IN" dirty="0"/>
               <a:t>Reinforcement Learning for RAG</a:t>
             </a:r>
-            <a:br>
-              <a:rPr lang="en-US" b="1" dirty="0"/>
-            </a:br>
-            <a:endParaRPr lang="en-IN" dirty="0"/>
-          </a:p>
-        </p:txBody>
-      </p:sp>
-      <p:sp>
-        <p:nvSpPr>
-          <p:cNvPr id="3" name="Content Placeholder 2">
-            <a:extLst>
-              <a:ext uri="{FF2B5EF4-FFF2-40B4-BE49-F238E27FC236}">
-                <a16:creationId xmlns:a16="http://schemas.microsoft.com/office/drawing/2014/main" id="{6164604A-2A51-4495-9A21-7C5BAC142F90}"/>
-              </a:ext>
-            </a:extLst>
-          </p:cNvPr>
-          <p:cNvSpPr>
-            <a:spLocks noGrp="1"/>
-          </p:cNvSpPr>
-          <p:nvPr>
-            <p:ph idx="1"/>
-          </p:nvPr>
-        </p:nvSpPr>
-        <p:spPr/>
-        <p:txBody>
-          <a:bodyPr/>
-          <a:lstStyle/>
-          <a:p>
-            <a:r>
-              <a:rPr lang="en-US" b="1" dirty="0"/>
-              <a:t>Reinforcement Learning for RAG</a:t>
-            </a:r>
-          </a:p>
-          <a:p>
-            <a:r>
-              <a:rPr lang="en-US" b="1" dirty="0"/>
-              <a:t>Reward Functions:</a:t>
-            </a:r>
-            <a:r>
-              <a:rPr lang="en-US" dirty="0"/>
-              <a:t> Designing reward functions to train RAG systems to generate more relevant and informative responses.</a:t>
-            </a:r>
-          </a:p>
-          <a:p>
-            <a:r>
-              <a:rPr lang="en-US" b="1" dirty="0"/>
-              <a:t>Policy Optimization:</a:t>
-            </a:r>
-            <a:r>
-              <a:rPr lang="en-US" dirty="0"/>
-              <a:t> Using reinforcement learning algorithms to optimize the system's behavior.</a:t>
-            </a:r>
-          </a:p>
-          <a:p>
-            <a:endParaRPr lang="en-IN" dirty="0"/>
+          </a:p>
+          <a:p>
+            <a:r>
+              <a:rPr lang="en-IN" dirty="0"/>
+              <a:t>Explainable RAG</a:t>
+            </a:r>
+          </a:p>
+          <a:p>
+            <a:r>
+              <a:rPr lang="en-IN" dirty="0"/>
+              <a:t>Large-Scale RAG</a:t>
+            </a:r>
           </a:p>
         </p:txBody>
       </p:sp>
     </p:spTree>
     <p:extLst>
       <p:ext uri="{BB962C8B-B14F-4D97-AF65-F5344CB8AC3E}">
-        <p14:creationId xmlns:p14="http://schemas.microsoft.com/office/powerpoint/2010/main" val="3292556717"/>
+        <p14:creationId xmlns:p14="http://schemas.microsoft.com/office/powerpoint/2010/main" val="3908448867"/>
       </p:ext>
     </p:extLst>
   </p:cSld>
@@ -6382,6 +6664,450 @@
           <p:cNvPr id="2" name="Title 1">
             <a:extLst>
               <a:ext uri="{FF2B5EF4-FFF2-40B4-BE49-F238E27FC236}">
+                <a16:creationId xmlns:a16="http://schemas.microsoft.com/office/drawing/2014/main" id="{A6E51D9B-F7AA-4F11-A0DB-CD8185984833}"/>
+              </a:ext>
+            </a:extLst>
+          </p:cNvPr>
+          <p:cNvSpPr>
+            <a:spLocks noGrp="1"/>
+          </p:cNvSpPr>
+          <p:nvPr>
+            <p:ph type="title"/>
+          </p:nvPr>
+        </p:nvSpPr>
+        <p:spPr/>
+        <p:txBody>
+          <a:bodyPr/>
+          <a:lstStyle/>
+          <a:p>
+            <a:r>
+              <a:rPr lang="en-IN" b="1" dirty="0"/>
+              <a:t>Hybrid Retrieval Models</a:t>
+            </a:r>
+            <a:br>
+              <a:rPr lang="en-IN" b="1" dirty="0"/>
+            </a:br>
+            <a:endParaRPr lang="en-IN" dirty="0"/>
+          </a:p>
+        </p:txBody>
+      </p:sp>
+      <p:sp>
+        <p:nvSpPr>
+          <p:cNvPr id="3" name="Content Placeholder 2">
+            <a:extLst>
+              <a:ext uri="{FF2B5EF4-FFF2-40B4-BE49-F238E27FC236}">
+                <a16:creationId xmlns:a16="http://schemas.microsoft.com/office/drawing/2014/main" id="{1B90E0C2-A918-4303-BA7B-2B806CC33570}"/>
+              </a:ext>
+            </a:extLst>
+          </p:cNvPr>
+          <p:cNvSpPr>
+            <a:spLocks noGrp="1"/>
+          </p:cNvSpPr>
+          <p:nvPr>
+            <p:ph idx="1"/>
+          </p:nvPr>
+        </p:nvSpPr>
+        <p:spPr/>
+        <p:txBody>
+          <a:bodyPr/>
+          <a:lstStyle/>
+          <a:p>
+            <a:r>
+              <a:rPr lang="en-IN" b="1" dirty="0"/>
+              <a:t>Combining Different Retrieval Methods:</a:t>
+            </a:r>
+            <a:r>
+              <a:rPr lang="en-IN" dirty="0"/>
+              <a:t> Integrating semantic search with keyword-based retrieval for a more comprehensive approach.</a:t>
+            </a:r>
+          </a:p>
+          <a:p>
+            <a:r>
+              <a:rPr lang="en-IN" b="1" dirty="0"/>
+              <a:t>Hierarchical Retrieval:</a:t>
+            </a:r>
+            <a:r>
+              <a:rPr lang="en-IN" dirty="0"/>
+              <a:t> Organizing knowledge bases into hierarchies for more efficient retrieval.</a:t>
+            </a:r>
+          </a:p>
+          <a:p>
+            <a:r>
+              <a:rPr lang="en-IN" b="1" dirty="0"/>
+              <a:t>Contextual Retrieval:</a:t>
+            </a:r>
+            <a:r>
+              <a:rPr lang="en-IN" dirty="0"/>
+              <a:t> Considering the context of the query and retrieved documents for more relevant results.</a:t>
+            </a:r>
+          </a:p>
+          <a:p>
+            <a:endParaRPr lang="en-IN" dirty="0"/>
+          </a:p>
+        </p:txBody>
+      </p:sp>
+    </p:spTree>
+    <p:extLst>
+      <p:ext uri="{BB962C8B-B14F-4D97-AF65-F5344CB8AC3E}">
+        <p14:creationId xmlns:p14="http://schemas.microsoft.com/office/powerpoint/2010/main" val="902598413"/>
+      </p:ext>
+    </p:extLst>
+  </p:cSld>
+  <p:clrMapOvr>
+    <a:masterClrMapping/>
+  </p:clrMapOvr>
+</p:sld>
+</file>
+
+<file path=ppt/slides/slide31.xml><?xml version="1.0" encoding="utf-8"?>
+<p:sld xmlns:a="http://schemas.openxmlformats.org/drawingml/2006/main" xmlns:r="http://schemas.openxmlformats.org/officeDocument/2006/relationships" xmlns:p="http://schemas.openxmlformats.org/presentationml/2006/main">
+  <p:cSld>
+    <p:spTree>
+      <p:nvGrpSpPr>
+        <p:cNvPr id="1" name=""/>
+        <p:cNvGrpSpPr/>
+        <p:nvPr/>
+      </p:nvGrpSpPr>
+      <p:grpSpPr>
+        <a:xfrm>
+          <a:off x="0" y="0"/>
+          <a:ext cx="0" cy="0"/>
+          <a:chOff x="0" y="0"/>
+          <a:chExt cx="0" cy="0"/>
+        </a:xfrm>
+      </p:grpSpPr>
+      <p:sp>
+        <p:nvSpPr>
+          <p:cNvPr id="2" name="Title 1">
+            <a:extLst>
+              <a:ext uri="{FF2B5EF4-FFF2-40B4-BE49-F238E27FC236}">
+                <a16:creationId xmlns:a16="http://schemas.microsoft.com/office/drawing/2014/main" id="{47DE4ECC-2A0C-4827-950F-78BDB6781B29}"/>
+              </a:ext>
+            </a:extLst>
+          </p:cNvPr>
+          <p:cNvSpPr>
+            <a:spLocks noGrp="1"/>
+          </p:cNvSpPr>
+          <p:nvPr>
+            <p:ph type="title"/>
+          </p:nvPr>
+        </p:nvSpPr>
+        <p:spPr/>
+        <p:txBody>
+          <a:bodyPr/>
+          <a:lstStyle/>
+          <a:p>
+            <a:r>
+              <a:rPr lang="en-US" b="1" dirty="0"/>
+              <a:t>Multi-Modal RAG</a:t>
+            </a:r>
+            <a:br>
+              <a:rPr lang="en-US" b="1" dirty="0"/>
+            </a:br>
+            <a:endParaRPr lang="en-IN" dirty="0"/>
+          </a:p>
+        </p:txBody>
+      </p:sp>
+      <p:sp>
+        <p:nvSpPr>
+          <p:cNvPr id="3" name="Content Placeholder 2">
+            <a:extLst>
+              <a:ext uri="{FF2B5EF4-FFF2-40B4-BE49-F238E27FC236}">
+                <a16:creationId xmlns:a16="http://schemas.microsoft.com/office/drawing/2014/main" id="{1D4AD9DF-FB3C-4883-B2D3-C61A42674F02}"/>
+              </a:ext>
+            </a:extLst>
+          </p:cNvPr>
+          <p:cNvSpPr>
+            <a:spLocks noGrp="1"/>
+          </p:cNvSpPr>
+          <p:nvPr>
+            <p:ph idx="1"/>
+          </p:nvPr>
+        </p:nvSpPr>
+        <p:spPr/>
+        <p:txBody>
+          <a:bodyPr/>
+          <a:lstStyle/>
+          <a:p>
+            <a:r>
+              <a:rPr lang="en-US" b="1" dirty="0"/>
+              <a:t>Image and Text Integration:</a:t>
+            </a:r>
+            <a:r>
+              <a:rPr lang="en-US" dirty="0"/>
+              <a:t> Incorporating visual information to enhance understanding and response generation.</a:t>
+            </a:r>
+          </a:p>
+          <a:p>
+            <a:r>
+              <a:rPr lang="en-US" b="1" dirty="0"/>
+              <a:t>Audio and Text Integration:</a:t>
+            </a:r>
+            <a:r>
+              <a:rPr lang="en-US" dirty="0"/>
+              <a:t> Combining textual and auditory data for more nuanced responses.</a:t>
+            </a:r>
+          </a:p>
+          <a:p>
+            <a:endParaRPr lang="en-IN" dirty="0"/>
+          </a:p>
+        </p:txBody>
+      </p:sp>
+    </p:spTree>
+    <p:extLst>
+      <p:ext uri="{BB962C8B-B14F-4D97-AF65-F5344CB8AC3E}">
+        <p14:creationId xmlns:p14="http://schemas.microsoft.com/office/powerpoint/2010/main" val="2149975094"/>
+      </p:ext>
+    </p:extLst>
+  </p:cSld>
+  <p:clrMapOvr>
+    <a:masterClrMapping/>
+  </p:clrMapOvr>
+</p:sld>
+</file>
+
+<file path=ppt/slides/slide32.xml><?xml version="1.0" encoding="utf-8"?>
+<p:sld xmlns:a="http://schemas.openxmlformats.org/drawingml/2006/main" xmlns:r="http://schemas.openxmlformats.org/officeDocument/2006/relationships" xmlns:p="http://schemas.openxmlformats.org/presentationml/2006/main">
+  <p:cSld>
+    <p:spTree>
+      <p:nvGrpSpPr>
+        <p:cNvPr id="1" name=""/>
+        <p:cNvGrpSpPr/>
+        <p:nvPr/>
+      </p:nvGrpSpPr>
+      <p:grpSpPr>
+        <a:xfrm>
+          <a:off x="0" y="0"/>
+          <a:ext cx="0" cy="0"/>
+          <a:chOff x="0" y="0"/>
+          <a:chExt cx="0" cy="0"/>
+        </a:xfrm>
+      </p:grpSpPr>
+      <p:sp>
+        <p:nvSpPr>
+          <p:cNvPr id="2" name="Title 1">
+            <a:extLst>
+              <a:ext uri="{FF2B5EF4-FFF2-40B4-BE49-F238E27FC236}">
+                <a16:creationId xmlns:a16="http://schemas.microsoft.com/office/drawing/2014/main" id="{66B943CA-14D8-4BA2-90DD-8211D20B9646}"/>
+              </a:ext>
+            </a:extLst>
+          </p:cNvPr>
+          <p:cNvSpPr>
+            <a:spLocks noGrp="1"/>
+          </p:cNvSpPr>
+          <p:nvPr>
+            <p:ph type="title"/>
+          </p:nvPr>
+        </p:nvSpPr>
+        <p:spPr/>
+        <p:txBody>
+          <a:bodyPr/>
+          <a:lstStyle/>
+          <a:p>
+            <a:r>
+              <a:rPr lang="en-US" b="1" dirty="0"/>
+              <a:t>Knowledge Graph Integration</a:t>
+            </a:r>
+            <a:br>
+              <a:rPr lang="en-US" b="1" dirty="0"/>
+            </a:br>
+            <a:endParaRPr lang="en-IN" dirty="0"/>
+          </a:p>
+        </p:txBody>
+      </p:sp>
+      <p:sp>
+        <p:nvSpPr>
+          <p:cNvPr id="3" name="Content Placeholder 2">
+            <a:extLst>
+              <a:ext uri="{FF2B5EF4-FFF2-40B4-BE49-F238E27FC236}">
+                <a16:creationId xmlns:a16="http://schemas.microsoft.com/office/drawing/2014/main" id="{4343F9B8-E953-4E56-8B7A-BEA23DEFDA09}"/>
+              </a:ext>
+            </a:extLst>
+          </p:cNvPr>
+          <p:cNvSpPr>
+            <a:spLocks noGrp="1"/>
+          </p:cNvSpPr>
+          <p:nvPr>
+            <p:ph idx="1"/>
+          </p:nvPr>
+        </p:nvSpPr>
+        <p:spPr/>
+        <p:txBody>
+          <a:bodyPr/>
+          <a:lstStyle/>
+          <a:p>
+            <a:r>
+              <a:rPr lang="en-US" b="1" dirty="0"/>
+              <a:t>Semantic Relationships:</a:t>
+            </a:r>
+            <a:r>
+              <a:rPr lang="en-US" dirty="0"/>
+              <a:t> Leveraging knowledge graphs to capture relationships between entities and concepts.</a:t>
+            </a:r>
+          </a:p>
+          <a:p>
+            <a:r>
+              <a:rPr lang="en-US" b="1" dirty="0"/>
+              <a:t>Reasoning and Inference:</a:t>
+            </a:r>
+            <a:r>
+              <a:rPr lang="en-US" dirty="0"/>
+              <a:t> Using knowledge graphs to perform logical reasoning and draw inferences.</a:t>
+            </a:r>
+          </a:p>
+          <a:p>
+            <a:endParaRPr lang="en-IN" dirty="0"/>
+          </a:p>
+        </p:txBody>
+      </p:sp>
+    </p:spTree>
+    <p:extLst>
+      <p:ext uri="{BB962C8B-B14F-4D97-AF65-F5344CB8AC3E}">
+        <p14:creationId xmlns:p14="http://schemas.microsoft.com/office/powerpoint/2010/main" val="1928395094"/>
+      </p:ext>
+    </p:extLst>
+  </p:cSld>
+  <p:clrMapOvr>
+    <a:masterClrMapping/>
+  </p:clrMapOvr>
+</p:sld>
+</file>
+
+<file path=ppt/slides/slide33.xml><?xml version="1.0" encoding="utf-8"?>
+<p:sld xmlns:a="http://schemas.openxmlformats.org/drawingml/2006/main" xmlns:r="http://schemas.openxmlformats.org/officeDocument/2006/relationships" xmlns:p="http://schemas.openxmlformats.org/presentationml/2006/main">
+  <p:cSld>
+    <p:spTree>
+      <p:nvGrpSpPr>
+        <p:cNvPr id="1" name=""/>
+        <p:cNvGrpSpPr/>
+        <p:nvPr/>
+      </p:nvGrpSpPr>
+      <p:grpSpPr>
+        <a:xfrm>
+          <a:off x="0" y="0"/>
+          <a:ext cx="0" cy="0"/>
+          <a:chOff x="0" y="0"/>
+          <a:chExt cx="0" cy="0"/>
+        </a:xfrm>
+      </p:grpSpPr>
+      <p:sp>
+        <p:nvSpPr>
+          <p:cNvPr id="2" name="Title 1">
+            <a:extLst>
+              <a:ext uri="{FF2B5EF4-FFF2-40B4-BE49-F238E27FC236}">
+                <a16:creationId xmlns:a16="http://schemas.microsoft.com/office/drawing/2014/main" id="{3DEA7786-E269-469A-8C2E-37359FEE73E4}"/>
+              </a:ext>
+            </a:extLst>
+          </p:cNvPr>
+          <p:cNvSpPr>
+            <a:spLocks noGrp="1"/>
+          </p:cNvSpPr>
+          <p:nvPr>
+            <p:ph type="title"/>
+          </p:nvPr>
+        </p:nvSpPr>
+        <p:spPr/>
+        <p:txBody>
+          <a:bodyPr/>
+          <a:lstStyle/>
+          <a:p>
+            <a:r>
+              <a:rPr lang="en-US" b="1" dirty="0"/>
+              <a:t>Reinforcement Learning for RAG</a:t>
+            </a:r>
+            <a:br>
+              <a:rPr lang="en-US" b="1" dirty="0"/>
+            </a:br>
+            <a:endParaRPr lang="en-IN" dirty="0"/>
+          </a:p>
+        </p:txBody>
+      </p:sp>
+      <p:sp>
+        <p:nvSpPr>
+          <p:cNvPr id="3" name="Content Placeholder 2">
+            <a:extLst>
+              <a:ext uri="{FF2B5EF4-FFF2-40B4-BE49-F238E27FC236}">
+                <a16:creationId xmlns:a16="http://schemas.microsoft.com/office/drawing/2014/main" id="{6164604A-2A51-4495-9A21-7C5BAC142F90}"/>
+              </a:ext>
+            </a:extLst>
+          </p:cNvPr>
+          <p:cNvSpPr>
+            <a:spLocks noGrp="1"/>
+          </p:cNvSpPr>
+          <p:nvPr>
+            <p:ph idx="1"/>
+          </p:nvPr>
+        </p:nvSpPr>
+        <p:spPr/>
+        <p:txBody>
+          <a:bodyPr/>
+          <a:lstStyle/>
+          <a:p>
+            <a:r>
+              <a:rPr lang="en-US" b="1" dirty="0"/>
+              <a:t>Reinforcement Learning for RAG</a:t>
+            </a:r>
+          </a:p>
+          <a:p>
+            <a:r>
+              <a:rPr lang="en-US" b="1" dirty="0"/>
+              <a:t>Reward Functions:</a:t>
+            </a:r>
+            <a:r>
+              <a:rPr lang="en-US" dirty="0"/>
+              <a:t> Designing reward functions to train RAG systems to generate more relevant and informative responses.</a:t>
+            </a:r>
+          </a:p>
+          <a:p>
+            <a:r>
+              <a:rPr lang="en-US" b="1" dirty="0"/>
+              <a:t>Policy Optimization:</a:t>
+            </a:r>
+            <a:r>
+              <a:rPr lang="en-US" dirty="0"/>
+              <a:t> Using reinforcement learning algorithms to optimize the system's behavior.</a:t>
+            </a:r>
+          </a:p>
+          <a:p>
+            <a:endParaRPr lang="en-IN" dirty="0"/>
+          </a:p>
+        </p:txBody>
+      </p:sp>
+    </p:spTree>
+    <p:extLst>
+      <p:ext uri="{BB962C8B-B14F-4D97-AF65-F5344CB8AC3E}">
+        <p14:creationId xmlns:p14="http://schemas.microsoft.com/office/powerpoint/2010/main" val="3292556717"/>
+      </p:ext>
+    </p:extLst>
+  </p:cSld>
+  <p:clrMapOvr>
+    <a:masterClrMapping/>
+  </p:clrMapOvr>
+</p:sld>
+</file>
+
+<file path=ppt/slides/slide34.xml><?xml version="1.0" encoding="utf-8"?>
+<p:sld xmlns:a="http://schemas.openxmlformats.org/drawingml/2006/main" xmlns:r="http://schemas.openxmlformats.org/officeDocument/2006/relationships" xmlns:p="http://schemas.openxmlformats.org/presentationml/2006/main">
+  <p:cSld>
+    <p:spTree>
+      <p:nvGrpSpPr>
+        <p:cNvPr id="1" name=""/>
+        <p:cNvGrpSpPr/>
+        <p:nvPr/>
+      </p:nvGrpSpPr>
+      <p:grpSpPr>
+        <a:xfrm>
+          <a:off x="0" y="0"/>
+          <a:ext cx="0" cy="0"/>
+          <a:chOff x="0" y="0"/>
+          <a:chExt cx="0" cy="0"/>
+        </a:xfrm>
+      </p:grpSpPr>
+      <p:sp>
+        <p:nvSpPr>
+          <p:cNvPr id="2" name="Title 1">
+            <a:extLst>
+              <a:ext uri="{FF2B5EF4-FFF2-40B4-BE49-F238E27FC236}">
                 <a16:creationId xmlns:a16="http://schemas.microsoft.com/office/drawing/2014/main" id="{A936ACE4-80B1-4BC3-AB27-BB10F6E7ADA3}"/>
               </a:ext>
             </a:extLst>
@@ -6467,7 +7193,7 @@
 </p:sld>
 </file>
 
-<file path=ppt/slides/slide31.xml><?xml version="1.0" encoding="utf-8"?>
+<file path=ppt/slides/slide35.xml><?xml version="1.0" encoding="utf-8"?>
 <p:sld xmlns:a="http://schemas.openxmlformats.org/drawingml/2006/main" xmlns:r="http://schemas.openxmlformats.org/officeDocument/2006/relationships" xmlns:p="http://schemas.openxmlformats.org/presentationml/2006/main">
   <p:cSld>
     <p:spTree>
